--- a/Bahasa Inggris 6/How effective is media verification in stopping fake.pptx
+++ b/Bahasa Inggris 6/How effective is media verification in stopping fake.pptx
@@ -11,6 +11,12 @@
     <p:sldId id="259" r:id="rId5"/>
     <p:sldId id="260" r:id="rId6"/>
     <p:sldId id="261" r:id="rId7"/>
+    <p:sldId id="266" r:id="rId8"/>
+    <p:sldId id="262" r:id="rId9"/>
+    <p:sldId id="263" r:id="rId10"/>
+    <p:sldId id="264" r:id="rId11"/>
+    <p:sldId id="265" r:id="rId12"/>
+    <p:sldId id="267" r:id="rId13"/>
   </p:sldIdLst>
   <p:sldSz cx="12192000" cy="6858000"/>
   <p:notesSz cx="6858000" cy="9144000"/>
@@ -111,7 +117,7 @@
   </p:defaultTextStyle>
   <p:extLst>
     <p:ext uri="{EFAFB233-063F-42B5-8137-9DF3F51BA10A}">
-      <p15:sldGuideLst xmlns:p15="http://schemas.microsoft.com/office/powerpoint/2012/main"/>
+      <p15:sldGuideLst xmlns="" xmlns:p15="http://schemas.microsoft.com/office/powerpoint/2012/main"/>
     </p:ext>
   </p:extLst>
 </p:presentation>
@@ -305,7 +311,7 @@
           <a:p>
             <a:fld id="{F1D14EED-47A8-419B-8D82-336F6087AA6B}" type="datetimeFigureOut">
               <a:rPr lang="id-ID" smtClean="0"/>
-              <a:t>08/03/2017</a:t>
+              <a:t>15/03/2017</a:t>
             </a:fld>
             <a:endParaRPr lang="id-ID"/>
           </a:p>
@@ -643,7 +649,7 @@
           <a:p>
             <a:fld id="{F1D14EED-47A8-419B-8D82-336F6087AA6B}" type="datetimeFigureOut">
               <a:rPr lang="id-ID" smtClean="0"/>
-              <a:t>08/03/2017</a:t>
+              <a:t>15/03/2017</a:t>
             </a:fld>
             <a:endParaRPr lang="id-ID"/>
           </a:p>
@@ -1044,7 +1050,7 @@
           <a:p>
             <a:fld id="{F1D14EED-47A8-419B-8D82-336F6087AA6B}" type="datetimeFigureOut">
               <a:rPr lang="id-ID" smtClean="0"/>
-              <a:t>08/03/2017</a:t>
+              <a:t>15/03/2017</a:t>
             </a:fld>
             <a:endParaRPr lang="id-ID"/>
           </a:p>
@@ -1380,7 +1386,7 @@
           <a:p>
             <a:fld id="{F1D14EED-47A8-419B-8D82-336F6087AA6B}" type="datetimeFigureOut">
               <a:rPr lang="id-ID" smtClean="0"/>
-              <a:t>08/03/2017</a:t>
+              <a:t>15/03/2017</a:t>
             </a:fld>
             <a:endParaRPr lang="id-ID"/>
           </a:p>
@@ -1700,7 +1706,7 @@
           <a:p>
             <a:fld id="{F1D14EED-47A8-419B-8D82-336F6087AA6B}" type="datetimeFigureOut">
               <a:rPr lang="id-ID" smtClean="0"/>
-              <a:t>08/03/2017</a:t>
+              <a:t>15/03/2017</a:t>
             </a:fld>
             <a:endParaRPr lang="id-ID"/>
           </a:p>
@@ -2096,7 +2102,7 @@
           <a:p>
             <a:fld id="{F1D14EED-47A8-419B-8D82-336F6087AA6B}" type="datetimeFigureOut">
               <a:rPr lang="id-ID" smtClean="0"/>
-              <a:t>08/03/2017</a:t>
+              <a:t>15/03/2017</a:t>
             </a:fld>
             <a:endParaRPr lang="id-ID"/>
           </a:p>
@@ -2353,7 +2359,7 @@
           <a:p>
             <a:fld id="{F1D14EED-47A8-419B-8D82-336F6087AA6B}" type="datetimeFigureOut">
               <a:rPr lang="id-ID" smtClean="0"/>
-              <a:t>08/03/2017</a:t>
+              <a:t>15/03/2017</a:t>
             </a:fld>
             <a:endParaRPr lang="id-ID"/>
           </a:p>
@@ -2615,7 +2621,7 @@
           <a:p>
             <a:fld id="{F1D14EED-47A8-419B-8D82-336F6087AA6B}" type="datetimeFigureOut">
               <a:rPr lang="id-ID" smtClean="0"/>
-              <a:t>08/03/2017</a:t>
+              <a:t>15/03/2017</a:t>
             </a:fld>
             <a:endParaRPr lang="id-ID"/>
           </a:p>
@@ -2877,7 +2883,7 @@
           <a:p>
             <a:fld id="{F1D14EED-47A8-419B-8D82-336F6087AA6B}" type="datetimeFigureOut">
               <a:rPr lang="id-ID" smtClean="0"/>
-              <a:t>08/03/2017</a:t>
+              <a:t>15/03/2017</a:t>
             </a:fld>
             <a:endParaRPr lang="id-ID"/>
           </a:p>
@@ -3206,7 +3212,7 @@
           <a:p>
             <a:fld id="{F1D14EED-47A8-419B-8D82-336F6087AA6B}" type="datetimeFigureOut">
               <a:rPr lang="id-ID" smtClean="0"/>
-              <a:t>08/03/2017</a:t>
+              <a:t>15/03/2017</a:t>
             </a:fld>
             <a:endParaRPr lang="id-ID"/>
           </a:p>
@@ -3529,7 +3535,7 @@
           <a:p>
             <a:fld id="{F1D14EED-47A8-419B-8D82-336F6087AA6B}" type="datetimeFigureOut">
               <a:rPr lang="id-ID" smtClean="0"/>
-              <a:t>08/03/2017</a:t>
+              <a:t>15/03/2017</a:t>
             </a:fld>
             <a:endParaRPr lang="id-ID"/>
           </a:p>
@@ -3986,7 +3992,7 @@
           <a:p>
             <a:fld id="{F1D14EED-47A8-419B-8D82-336F6087AA6B}" type="datetimeFigureOut">
               <a:rPr lang="id-ID" smtClean="0"/>
-              <a:t>08/03/2017</a:t>
+              <a:t>15/03/2017</a:t>
             </a:fld>
             <a:endParaRPr lang="id-ID"/>
           </a:p>
@@ -4191,7 +4197,7 @@
           <a:p>
             <a:fld id="{F1D14EED-47A8-419B-8D82-336F6087AA6B}" type="datetimeFigureOut">
               <a:rPr lang="id-ID" smtClean="0"/>
-              <a:t>08/03/2017</a:t>
+              <a:t>15/03/2017</a:t>
             </a:fld>
             <a:endParaRPr lang="id-ID"/>
           </a:p>
@@ -4368,7 +4374,7 @@
           <a:p>
             <a:fld id="{F1D14EED-47A8-419B-8D82-336F6087AA6B}" type="datetimeFigureOut">
               <a:rPr lang="id-ID" smtClean="0"/>
-              <a:t>08/03/2017</a:t>
+              <a:t>15/03/2017</a:t>
             </a:fld>
             <a:endParaRPr lang="id-ID"/>
           </a:p>
@@ -4701,7 +4707,7 @@
           <a:p>
             <a:fld id="{F1D14EED-47A8-419B-8D82-336F6087AA6B}" type="datetimeFigureOut">
               <a:rPr lang="id-ID" smtClean="0"/>
-              <a:t>08/03/2017</a:t>
+              <a:t>15/03/2017</a:t>
             </a:fld>
             <a:endParaRPr lang="id-ID"/>
           </a:p>
@@ -5046,7 +5052,7 @@
           <a:p>
             <a:fld id="{F1D14EED-47A8-419B-8D82-336F6087AA6B}" type="datetimeFigureOut">
               <a:rPr lang="id-ID" smtClean="0"/>
-              <a:t>08/03/2017</a:t>
+              <a:t>15/03/2017</a:t>
             </a:fld>
             <a:endParaRPr lang="id-ID"/>
           </a:p>
@@ -7163,7 +7169,7 @@
           <a:p>
             <a:fld id="{F1D14EED-47A8-419B-8D82-336F6087AA6B}" type="datetimeFigureOut">
               <a:rPr lang="id-ID" smtClean="0"/>
-              <a:t>08/03/2017</a:t>
+              <a:t>15/03/2017</a:t>
             </a:fld>
             <a:endParaRPr lang="id-ID"/>
           </a:p>
@@ -7722,6 +7728,1092 @@
   <p:clrMapOvr>
     <a:masterClrMapping/>
   </p:clrMapOvr>
+  <p:timing>
+    <p:tnLst>
+      <p:par>
+        <p:cTn id="1" dur="indefinite" restart="never" nodeType="tmRoot">
+          <p:childTnLst>
+            <p:seq concurrent="1" nextAc="seek">
+              <p:cTn id="2" dur="indefinite" nodeType="mainSeq">
+                <p:childTnLst>
+                  <p:par>
+                    <p:cTn id="3" fill="hold">
+                      <p:stCondLst>
+                        <p:cond delay="indefinite"/>
+                      </p:stCondLst>
+                      <p:childTnLst>
+                        <p:par>
+                          <p:cTn id="4" fill="hold">
+                            <p:stCondLst>
+                              <p:cond delay="0"/>
+                            </p:stCondLst>
+                            <p:childTnLst>
+                              <p:par>
+                                <p:cTn id="5" presetID="10" presetClass="entr" presetSubtype="0" fill="hold" grpId="0" nodeType="clickEffect">
+                                  <p:stCondLst>
+                                    <p:cond delay="0"/>
+                                  </p:stCondLst>
+                                  <p:childTnLst>
+                                    <p:set>
+                                      <p:cBhvr>
+                                        <p:cTn id="6" dur="1" fill="hold">
+                                          <p:stCondLst>
+                                            <p:cond delay="0"/>
+                                          </p:stCondLst>
+                                        </p:cTn>
+                                        <p:tgtEl>
+                                          <p:spTgt spid="2"/>
+                                        </p:tgtEl>
+                                        <p:attrNameLst>
+                                          <p:attrName>style.visibility</p:attrName>
+                                        </p:attrNameLst>
+                                      </p:cBhvr>
+                                      <p:to>
+                                        <p:strVal val="visible"/>
+                                      </p:to>
+                                    </p:set>
+                                    <p:animEffect transition="in" filter="fade">
+                                      <p:cBhvr>
+                                        <p:cTn id="7" dur="500"/>
+                                        <p:tgtEl>
+                                          <p:spTgt spid="2"/>
+                                        </p:tgtEl>
+                                      </p:cBhvr>
+                                    </p:animEffect>
+                                  </p:childTnLst>
+                                </p:cTn>
+                              </p:par>
+                            </p:childTnLst>
+                          </p:cTn>
+                        </p:par>
+                      </p:childTnLst>
+                    </p:cTn>
+                  </p:par>
+                </p:childTnLst>
+              </p:cTn>
+              <p:prevCondLst>
+                <p:cond evt="onPrev" delay="0">
+                  <p:tgtEl>
+                    <p:sldTgt/>
+                  </p:tgtEl>
+                </p:cond>
+              </p:prevCondLst>
+              <p:nextCondLst>
+                <p:cond evt="onNext" delay="0">
+                  <p:tgtEl>
+                    <p:sldTgt/>
+                  </p:tgtEl>
+                </p:cond>
+              </p:nextCondLst>
+            </p:seq>
+          </p:childTnLst>
+        </p:cTn>
+      </p:par>
+    </p:tnLst>
+    <p:bldLst>
+      <p:bldP spid="2" grpId="0"/>
+    </p:bldLst>
+  </p:timing>
+</p:sld>
+</file>
+
+<file path=ppt/slides/slide10.xml><?xml version="1.0" encoding="utf-8"?>
+<p:sld xmlns:a="http://schemas.openxmlformats.org/drawingml/2006/main" xmlns:r="http://schemas.openxmlformats.org/officeDocument/2006/relationships" xmlns:p="http://schemas.openxmlformats.org/presentationml/2006/main">
+  <p:cSld>
+    <p:spTree>
+      <p:nvGrpSpPr>
+        <p:cNvPr id="1" name=""/>
+        <p:cNvGrpSpPr/>
+        <p:nvPr/>
+      </p:nvGrpSpPr>
+      <p:grpSpPr>
+        <a:xfrm>
+          <a:off x="0" y="0"/>
+          <a:ext cx="0" cy="0"/>
+          <a:chOff x="0" y="0"/>
+          <a:chExt cx="0" cy="0"/>
+        </a:xfrm>
+      </p:grpSpPr>
+      <p:sp>
+        <p:nvSpPr>
+          <p:cNvPr id="2" name="Title 1"/>
+          <p:cNvSpPr>
+            <a:spLocks noGrp="1"/>
+          </p:cNvSpPr>
+          <p:nvPr>
+            <p:ph type="title"/>
+          </p:nvPr>
+        </p:nvSpPr>
+        <p:spPr/>
+        <p:txBody>
+          <a:bodyPr/>
+          <a:lstStyle/>
+          <a:p>
+            <a:r>
+              <a:rPr lang="id-ID" dirty="0" smtClean="0"/>
+              <a:t>Another Clickbait Example</a:t>
+            </a:r>
+            <a:endParaRPr lang="id-ID" dirty="0"/>
+          </a:p>
+        </p:txBody>
+      </p:sp>
+      <p:pic>
+        <p:nvPicPr>
+          <p:cNvPr id="4" name="Picture 3" descr="Screen Clipping"/>
+          <p:cNvPicPr>
+            <a:picLocks noChangeAspect="1"/>
+          </p:cNvPicPr>
+          <p:nvPr/>
+        </p:nvPicPr>
+        <p:blipFill>
+          <a:blip r:embed="rId2">
+            <a:extLst>
+              <a:ext uri="{28A0092B-C50C-407E-A947-70E740481C1C}">
+                <a14:useLocalDpi xmlns:a14="http://schemas.microsoft.com/office/drawing/2010/main" val="0"/>
+              </a:ext>
+            </a:extLst>
+          </a:blip>
+          <a:stretch>
+            <a:fillRect/>
+          </a:stretch>
+        </p:blipFill>
+        <p:spPr>
+          <a:xfrm>
+            <a:off x="1099440" y="223761"/>
+            <a:ext cx="9993120" cy="6192114"/>
+          </a:xfrm>
+          <a:prstGeom prst="rect">
+            <a:avLst/>
+          </a:prstGeom>
+        </p:spPr>
+      </p:pic>
+      <p:sp>
+        <p:nvSpPr>
+          <p:cNvPr id="5" name="Rectangle 4"/>
+          <p:cNvSpPr/>
+          <p:nvPr/>
+        </p:nvSpPr>
+        <p:spPr>
+          <a:xfrm>
+            <a:off x="1460310" y="1091821"/>
+            <a:ext cx="5745708" cy="832513"/>
+          </a:xfrm>
+          <a:prstGeom prst="rect">
+            <a:avLst/>
+          </a:prstGeom>
+          <a:noFill/>
+        </p:spPr>
+        <p:style>
+          <a:lnRef idx="2">
+            <a:schemeClr val="accent1">
+              <a:shade val="50000"/>
+            </a:schemeClr>
+          </a:lnRef>
+          <a:fillRef idx="1">
+            <a:schemeClr val="accent1"/>
+          </a:fillRef>
+          <a:effectRef idx="0">
+            <a:schemeClr val="accent1"/>
+          </a:effectRef>
+          <a:fontRef idx="minor">
+            <a:schemeClr val="lt1"/>
+          </a:fontRef>
+        </p:style>
+        <p:txBody>
+          <a:bodyPr rtlCol="0" anchor="ctr"/>
+          <a:lstStyle/>
+          <a:p>
+            <a:pPr algn="ctr"/>
+            <a:endParaRPr lang="id-ID"/>
+          </a:p>
+        </p:txBody>
+      </p:sp>
+      <p:sp>
+        <p:nvSpPr>
+          <p:cNvPr id="6" name="Rectangle 5"/>
+          <p:cNvSpPr/>
+          <p:nvPr/>
+        </p:nvSpPr>
+        <p:spPr>
+          <a:xfrm>
+            <a:off x="7965743" y="3932830"/>
+            <a:ext cx="2872854" cy="721057"/>
+          </a:xfrm>
+          <a:prstGeom prst="rect">
+            <a:avLst/>
+          </a:prstGeom>
+          <a:noFill/>
+        </p:spPr>
+        <p:style>
+          <a:lnRef idx="2">
+            <a:schemeClr val="accent1">
+              <a:shade val="50000"/>
+            </a:schemeClr>
+          </a:lnRef>
+          <a:fillRef idx="1">
+            <a:schemeClr val="accent1"/>
+          </a:fillRef>
+          <a:effectRef idx="0">
+            <a:schemeClr val="accent1"/>
+          </a:effectRef>
+          <a:fontRef idx="minor">
+            <a:schemeClr val="lt1"/>
+          </a:fontRef>
+        </p:style>
+        <p:txBody>
+          <a:bodyPr rtlCol="0" anchor="ctr"/>
+          <a:lstStyle/>
+          <a:p>
+            <a:pPr algn="ctr"/>
+            <a:endParaRPr lang="id-ID"/>
+          </a:p>
+        </p:txBody>
+      </p:sp>
+      <p:sp>
+        <p:nvSpPr>
+          <p:cNvPr id="7" name="Rectangle 6"/>
+          <p:cNvSpPr/>
+          <p:nvPr/>
+        </p:nvSpPr>
+        <p:spPr>
+          <a:xfrm>
+            <a:off x="7965743" y="5450006"/>
+            <a:ext cx="2872854" cy="721057"/>
+          </a:xfrm>
+          <a:prstGeom prst="rect">
+            <a:avLst/>
+          </a:prstGeom>
+          <a:noFill/>
+        </p:spPr>
+        <p:style>
+          <a:lnRef idx="2">
+            <a:schemeClr val="accent1">
+              <a:shade val="50000"/>
+            </a:schemeClr>
+          </a:lnRef>
+          <a:fillRef idx="1">
+            <a:schemeClr val="accent1"/>
+          </a:fillRef>
+          <a:effectRef idx="0">
+            <a:schemeClr val="accent1"/>
+          </a:effectRef>
+          <a:fontRef idx="minor">
+            <a:schemeClr val="lt1"/>
+          </a:fontRef>
+        </p:style>
+        <p:txBody>
+          <a:bodyPr rtlCol="0" anchor="ctr"/>
+          <a:lstStyle/>
+          <a:p>
+            <a:pPr algn="ctr"/>
+            <a:endParaRPr lang="id-ID"/>
+          </a:p>
+        </p:txBody>
+      </p:sp>
+    </p:spTree>
+    <p:extLst>
+      <p:ext uri="{BB962C8B-B14F-4D97-AF65-F5344CB8AC3E}">
+        <p14:creationId xmlns:p14="http://schemas.microsoft.com/office/powerpoint/2010/main" val="3056140393"/>
+      </p:ext>
+    </p:extLst>
+  </p:cSld>
+  <p:clrMapOvr>
+    <a:masterClrMapping/>
+  </p:clrMapOvr>
+  <p:timing>
+    <p:tnLst>
+      <p:par>
+        <p:cTn id="1" dur="indefinite" restart="never" nodeType="tmRoot">
+          <p:childTnLst>
+            <p:seq concurrent="1" nextAc="seek">
+              <p:cTn id="2" dur="indefinite" nodeType="mainSeq">
+                <p:childTnLst>
+                  <p:par>
+                    <p:cTn id="3" fill="hold">
+                      <p:stCondLst>
+                        <p:cond delay="indefinite"/>
+                      </p:stCondLst>
+                      <p:childTnLst>
+                        <p:par>
+                          <p:cTn id="4" fill="hold">
+                            <p:stCondLst>
+                              <p:cond delay="0"/>
+                            </p:stCondLst>
+                            <p:childTnLst>
+                              <p:par>
+                                <p:cTn id="5" presetID="10" presetClass="entr" presetSubtype="0" fill="hold" grpId="0" nodeType="clickEffect">
+                                  <p:stCondLst>
+                                    <p:cond delay="0"/>
+                                  </p:stCondLst>
+                                  <p:childTnLst>
+                                    <p:set>
+                                      <p:cBhvr>
+                                        <p:cTn id="6" dur="1" fill="hold">
+                                          <p:stCondLst>
+                                            <p:cond delay="0"/>
+                                          </p:stCondLst>
+                                        </p:cTn>
+                                        <p:tgtEl>
+                                          <p:spTgt spid="2"/>
+                                        </p:tgtEl>
+                                        <p:attrNameLst>
+                                          <p:attrName>style.visibility</p:attrName>
+                                        </p:attrNameLst>
+                                      </p:cBhvr>
+                                      <p:to>
+                                        <p:strVal val="visible"/>
+                                      </p:to>
+                                    </p:set>
+                                    <p:animEffect transition="in" filter="fade">
+                                      <p:cBhvr>
+                                        <p:cTn id="7" dur="500"/>
+                                        <p:tgtEl>
+                                          <p:spTgt spid="2"/>
+                                        </p:tgtEl>
+                                      </p:cBhvr>
+                                    </p:animEffect>
+                                  </p:childTnLst>
+                                </p:cTn>
+                              </p:par>
+                            </p:childTnLst>
+                          </p:cTn>
+                        </p:par>
+                      </p:childTnLst>
+                    </p:cTn>
+                  </p:par>
+                  <p:par>
+                    <p:cTn id="8" fill="hold">
+                      <p:stCondLst>
+                        <p:cond delay="indefinite"/>
+                      </p:stCondLst>
+                      <p:childTnLst>
+                        <p:par>
+                          <p:cTn id="9" fill="hold">
+                            <p:stCondLst>
+                              <p:cond delay="0"/>
+                            </p:stCondLst>
+                            <p:childTnLst>
+                              <p:par>
+                                <p:cTn id="10" presetID="10" presetClass="entr" presetSubtype="0" fill="hold" nodeType="clickEffect">
+                                  <p:stCondLst>
+                                    <p:cond delay="0"/>
+                                  </p:stCondLst>
+                                  <p:childTnLst>
+                                    <p:set>
+                                      <p:cBhvr>
+                                        <p:cTn id="11" dur="1" fill="hold">
+                                          <p:stCondLst>
+                                            <p:cond delay="0"/>
+                                          </p:stCondLst>
+                                        </p:cTn>
+                                        <p:tgtEl>
+                                          <p:spTgt spid="4"/>
+                                        </p:tgtEl>
+                                        <p:attrNameLst>
+                                          <p:attrName>style.visibility</p:attrName>
+                                        </p:attrNameLst>
+                                      </p:cBhvr>
+                                      <p:to>
+                                        <p:strVal val="visible"/>
+                                      </p:to>
+                                    </p:set>
+                                    <p:animEffect transition="in" filter="fade">
+                                      <p:cBhvr>
+                                        <p:cTn id="12" dur="500"/>
+                                        <p:tgtEl>
+                                          <p:spTgt spid="4"/>
+                                        </p:tgtEl>
+                                      </p:cBhvr>
+                                    </p:animEffect>
+                                  </p:childTnLst>
+                                </p:cTn>
+                              </p:par>
+                            </p:childTnLst>
+                          </p:cTn>
+                        </p:par>
+                      </p:childTnLst>
+                    </p:cTn>
+                  </p:par>
+                  <p:par>
+                    <p:cTn id="13" fill="hold">
+                      <p:stCondLst>
+                        <p:cond delay="indefinite"/>
+                      </p:stCondLst>
+                      <p:childTnLst>
+                        <p:par>
+                          <p:cTn id="14" fill="hold">
+                            <p:stCondLst>
+                              <p:cond delay="0"/>
+                            </p:stCondLst>
+                            <p:childTnLst>
+                              <p:par>
+                                <p:cTn id="15" presetID="10" presetClass="entr" presetSubtype="0" fill="hold" grpId="0" nodeType="clickEffect">
+                                  <p:stCondLst>
+                                    <p:cond delay="0"/>
+                                  </p:stCondLst>
+                                  <p:childTnLst>
+                                    <p:set>
+                                      <p:cBhvr>
+                                        <p:cTn id="16" dur="1" fill="hold">
+                                          <p:stCondLst>
+                                            <p:cond delay="0"/>
+                                          </p:stCondLst>
+                                        </p:cTn>
+                                        <p:tgtEl>
+                                          <p:spTgt spid="5"/>
+                                        </p:tgtEl>
+                                        <p:attrNameLst>
+                                          <p:attrName>style.visibility</p:attrName>
+                                        </p:attrNameLst>
+                                      </p:cBhvr>
+                                      <p:to>
+                                        <p:strVal val="visible"/>
+                                      </p:to>
+                                    </p:set>
+                                    <p:animEffect transition="in" filter="fade">
+                                      <p:cBhvr>
+                                        <p:cTn id="17" dur="500"/>
+                                        <p:tgtEl>
+                                          <p:spTgt spid="5"/>
+                                        </p:tgtEl>
+                                      </p:cBhvr>
+                                    </p:animEffect>
+                                  </p:childTnLst>
+                                </p:cTn>
+                              </p:par>
+                              <p:par>
+                                <p:cTn id="18" presetID="10" presetClass="entr" presetSubtype="0" fill="hold" grpId="0" nodeType="withEffect">
+                                  <p:stCondLst>
+                                    <p:cond delay="0"/>
+                                  </p:stCondLst>
+                                  <p:childTnLst>
+                                    <p:set>
+                                      <p:cBhvr>
+                                        <p:cTn id="19" dur="1" fill="hold">
+                                          <p:stCondLst>
+                                            <p:cond delay="0"/>
+                                          </p:stCondLst>
+                                        </p:cTn>
+                                        <p:tgtEl>
+                                          <p:spTgt spid="6"/>
+                                        </p:tgtEl>
+                                        <p:attrNameLst>
+                                          <p:attrName>style.visibility</p:attrName>
+                                        </p:attrNameLst>
+                                      </p:cBhvr>
+                                      <p:to>
+                                        <p:strVal val="visible"/>
+                                      </p:to>
+                                    </p:set>
+                                    <p:animEffect transition="in" filter="fade">
+                                      <p:cBhvr>
+                                        <p:cTn id="20" dur="500"/>
+                                        <p:tgtEl>
+                                          <p:spTgt spid="6"/>
+                                        </p:tgtEl>
+                                      </p:cBhvr>
+                                    </p:animEffect>
+                                  </p:childTnLst>
+                                </p:cTn>
+                              </p:par>
+                              <p:par>
+                                <p:cTn id="21" presetID="10" presetClass="entr" presetSubtype="0" fill="hold" grpId="0" nodeType="withEffect">
+                                  <p:stCondLst>
+                                    <p:cond delay="0"/>
+                                  </p:stCondLst>
+                                  <p:childTnLst>
+                                    <p:set>
+                                      <p:cBhvr>
+                                        <p:cTn id="22" dur="1" fill="hold">
+                                          <p:stCondLst>
+                                            <p:cond delay="0"/>
+                                          </p:stCondLst>
+                                        </p:cTn>
+                                        <p:tgtEl>
+                                          <p:spTgt spid="7"/>
+                                        </p:tgtEl>
+                                        <p:attrNameLst>
+                                          <p:attrName>style.visibility</p:attrName>
+                                        </p:attrNameLst>
+                                      </p:cBhvr>
+                                      <p:to>
+                                        <p:strVal val="visible"/>
+                                      </p:to>
+                                    </p:set>
+                                    <p:animEffect transition="in" filter="fade">
+                                      <p:cBhvr>
+                                        <p:cTn id="23" dur="500"/>
+                                        <p:tgtEl>
+                                          <p:spTgt spid="7"/>
+                                        </p:tgtEl>
+                                      </p:cBhvr>
+                                    </p:animEffect>
+                                  </p:childTnLst>
+                                </p:cTn>
+                              </p:par>
+                            </p:childTnLst>
+                          </p:cTn>
+                        </p:par>
+                      </p:childTnLst>
+                    </p:cTn>
+                  </p:par>
+                </p:childTnLst>
+              </p:cTn>
+              <p:prevCondLst>
+                <p:cond evt="onPrev" delay="0">
+                  <p:tgtEl>
+                    <p:sldTgt/>
+                  </p:tgtEl>
+                </p:cond>
+              </p:prevCondLst>
+              <p:nextCondLst>
+                <p:cond evt="onNext" delay="0">
+                  <p:tgtEl>
+                    <p:sldTgt/>
+                  </p:tgtEl>
+                </p:cond>
+              </p:nextCondLst>
+            </p:seq>
+          </p:childTnLst>
+        </p:cTn>
+      </p:par>
+    </p:tnLst>
+    <p:bldLst>
+      <p:bldP spid="2" grpId="0"/>
+      <p:bldP spid="5" grpId="0" animBg="1"/>
+      <p:bldP spid="6" grpId="0" animBg="1"/>
+      <p:bldP spid="7" grpId="0" animBg="1"/>
+    </p:bldLst>
+  </p:timing>
+</p:sld>
+</file>
+
+<file path=ppt/slides/slide11.xml><?xml version="1.0" encoding="utf-8"?>
+<p:sld xmlns:a="http://schemas.openxmlformats.org/drawingml/2006/main" xmlns:r="http://schemas.openxmlformats.org/officeDocument/2006/relationships" xmlns:p="http://schemas.openxmlformats.org/presentationml/2006/main">
+  <p:cSld>
+    <p:spTree>
+      <p:nvGrpSpPr>
+        <p:cNvPr id="1" name=""/>
+        <p:cNvGrpSpPr/>
+        <p:nvPr/>
+      </p:nvGrpSpPr>
+      <p:grpSpPr>
+        <a:xfrm>
+          <a:off x="0" y="0"/>
+          <a:ext cx="0" cy="0"/>
+          <a:chOff x="0" y="0"/>
+          <a:chExt cx="0" cy="0"/>
+        </a:xfrm>
+      </p:grpSpPr>
+      <p:sp>
+        <p:nvSpPr>
+          <p:cNvPr id="2" name="Title 1"/>
+          <p:cNvSpPr>
+            <a:spLocks noGrp="1"/>
+          </p:cNvSpPr>
+          <p:nvPr>
+            <p:ph type="title"/>
+          </p:nvPr>
+        </p:nvSpPr>
+        <p:spPr>
+          <a:xfrm>
+            <a:off x="1228299" y="2439263"/>
+            <a:ext cx="10276313" cy="3156320"/>
+          </a:xfrm>
+        </p:spPr>
+        <p:txBody>
+          <a:bodyPr>
+            <a:normAutofit/>
+          </a:bodyPr>
+          <a:lstStyle/>
+          <a:p>
+            <a:pPr algn="ctr"/>
+            <a:r>
+              <a:rPr lang="id-ID" sz="4400" dirty="0" smtClean="0"/>
+              <a:t>Even Big Media Like Liputan6 Use Clickbait to Boost the Hit on Their Article</a:t>
+            </a:r>
+            <a:endParaRPr lang="id-ID" sz="4400" dirty="0"/>
+          </a:p>
+        </p:txBody>
+      </p:sp>
+    </p:spTree>
+    <p:extLst>
+      <p:ext uri="{BB962C8B-B14F-4D97-AF65-F5344CB8AC3E}">
+        <p14:creationId xmlns:p14="http://schemas.microsoft.com/office/powerpoint/2010/main" val="3187089362"/>
+      </p:ext>
+    </p:extLst>
+  </p:cSld>
+  <p:clrMapOvr>
+    <a:masterClrMapping/>
+  </p:clrMapOvr>
+  <p:timing>
+    <p:tnLst>
+      <p:par>
+        <p:cTn id="1" dur="indefinite" restart="never" nodeType="tmRoot">
+          <p:childTnLst>
+            <p:seq concurrent="1" nextAc="seek">
+              <p:cTn id="2" dur="indefinite" nodeType="mainSeq">
+                <p:childTnLst>
+                  <p:par>
+                    <p:cTn id="3" fill="hold">
+                      <p:stCondLst>
+                        <p:cond delay="indefinite"/>
+                      </p:stCondLst>
+                      <p:childTnLst>
+                        <p:par>
+                          <p:cTn id="4" fill="hold">
+                            <p:stCondLst>
+                              <p:cond delay="0"/>
+                            </p:stCondLst>
+                            <p:childTnLst>
+                              <p:par>
+                                <p:cTn id="5" presetID="10" presetClass="entr" presetSubtype="0" fill="hold" grpId="0" nodeType="clickEffect">
+                                  <p:stCondLst>
+                                    <p:cond delay="0"/>
+                                  </p:stCondLst>
+                                  <p:childTnLst>
+                                    <p:set>
+                                      <p:cBhvr>
+                                        <p:cTn id="6" dur="1" fill="hold">
+                                          <p:stCondLst>
+                                            <p:cond delay="0"/>
+                                          </p:stCondLst>
+                                        </p:cTn>
+                                        <p:tgtEl>
+                                          <p:spTgt spid="2"/>
+                                        </p:tgtEl>
+                                        <p:attrNameLst>
+                                          <p:attrName>style.visibility</p:attrName>
+                                        </p:attrNameLst>
+                                      </p:cBhvr>
+                                      <p:to>
+                                        <p:strVal val="visible"/>
+                                      </p:to>
+                                    </p:set>
+                                    <p:animEffect transition="in" filter="fade">
+                                      <p:cBhvr>
+                                        <p:cTn id="7" dur="500"/>
+                                        <p:tgtEl>
+                                          <p:spTgt spid="2"/>
+                                        </p:tgtEl>
+                                      </p:cBhvr>
+                                    </p:animEffect>
+                                  </p:childTnLst>
+                                </p:cTn>
+                              </p:par>
+                            </p:childTnLst>
+                          </p:cTn>
+                        </p:par>
+                      </p:childTnLst>
+                    </p:cTn>
+                  </p:par>
+                </p:childTnLst>
+              </p:cTn>
+              <p:prevCondLst>
+                <p:cond evt="onPrev" delay="0">
+                  <p:tgtEl>
+                    <p:sldTgt/>
+                  </p:tgtEl>
+                </p:cond>
+              </p:prevCondLst>
+              <p:nextCondLst>
+                <p:cond evt="onNext" delay="0">
+                  <p:tgtEl>
+                    <p:sldTgt/>
+                  </p:tgtEl>
+                </p:cond>
+              </p:nextCondLst>
+            </p:seq>
+          </p:childTnLst>
+        </p:cTn>
+      </p:par>
+    </p:tnLst>
+    <p:bldLst>
+      <p:bldP spid="2" grpId="0"/>
+    </p:bldLst>
+  </p:timing>
+</p:sld>
+</file>
+
+<file path=ppt/slides/slide12.xml><?xml version="1.0" encoding="utf-8"?>
+<p:sld xmlns:a="http://schemas.openxmlformats.org/drawingml/2006/main" xmlns:r="http://schemas.openxmlformats.org/officeDocument/2006/relationships" xmlns:p="http://schemas.openxmlformats.org/presentationml/2006/main">
+  <p:cSld>
+    <p:spTree>
+      <p:nvGrpSpPr>
+        <p:cNvPr id="1" name=""/>
+        <p:cNvGrpSpPr/>
+        <p:nvPr/>
+      </p:nvGrpSpPr>
+      <p:grpSpPr>
+        <a:xfrm>
+          <a:off x="0" y="0"/>
+          <a:ext cx="0" cy="0"/>
+          <a:chOff x="0" y="0"/>
+          <a:chExt cx="0" cy="0"/>
+        </a:xfrm>
+      </p:grpSpPr>
+      <p:sp>
+        <p:nvSpPr>
+          <p:cNvPr id="2" name="Title 1"/>
+          <p:cNvSpPr>
+            <a:spLocks noGrp="1"/>
+          </p:cNvSpPr>
+          <p:nvPr>
+            <p:ph type="title"/>
+          </p:nvPr>
+        </p:nvSpPr>
+        <p:spPr>
+          <a:xfrm>
+            <a:off x="2251736" y="3149221"/>
+            <a:ext cx="8911687" cy="1280890"/>
+          </a:xfrm>
+        </p:spPr>
+        <p:txBody>
+          <a:bodyPr/>
+          <a:lstStyle/>
+          <a:p>
+            <a:pPr algn="ctr"/>
+            <a:r>
+              <a:rPr lang="id-ID" dirty="0" smtClean="0"/>
+              <a:t>BUT</a:t>
+            </a:r>
+            <a:endParaRPr lang="id-ID" dirty="0"/>
+          </a:p>
+        </p:txBody>
+      </p:sp>
+      <p:sp>
+        <p:nvSpPr>
+          <p:cNvPr id="4" name="Title 1"/>
+          <p:cNvSpPr txBox="1">
+            <a:spLocks/>
+          </p:cNvSpPr>
+          <p:nvPr/>
+        </p:nvSpPr>
+        <p:spPr>
+          <a:xfrm>
+            <a:off x="2254005" y="776510"/>
+            <a:ext cx="8911687" cy="1280890"/>
+          </a:xfrm>
+          <a:prstGeom prst="rect">
+            <a:avLst/>
+          </a:prstGeom>
+        </p:spPr>
+        <p:txBody>
+          <a:bodyPr vert="horz" lIns="91440" tIns="45720" rIns="91440" bIns="45720" rtlCol="0" anchor="t">
+            <a:normAutofit/>
+          </a:bodyPr>
+          <a:lstStyle>
+            <a:lvl1pPr algn="l" defTabSz="457200" rtl="0" eaLnBrk="1" latinLnBrk="0" hangingPunct="1">
+              <a:spcBef>
+                <a:spcPct val="0"/>
+              </a:spcBef>
+              <a:buNone/>
+              <a:defRPr sz="3600" kern="1200">
+                <a:solidFill>
+                  <a:schemeClr val="tx1">
+                    <a:lumMod val="85000"/>
+                    <a:lumOff val="15000"/>
+                  </a:schemeClr>
+                </a:solidFill>
+                <a:latin typeface="+mj-lt"/>
+                <a:ea typeface="+mj-ea"/>
+                <a:cs typeface="+mj-cs"/>
+              </a:defRPr>
+            </a:lvl1pPr>
+            <a:lvl2pPr eaLnBrk="1" hangingPunct="1">
+              <a:defRPr>
+                <a:solidFill>
+                  <a:schemeClr val="tx2"/>
+                </a:solidFill>
+              </a:defRPr>
+            </a:lvl2pPr>
+            <a:lvl3pPr eaLnBrk="1" hangingPunct="1">
+              <a:defRPr>
+                <a:solidFill>
+                  <a:schemeClr val="tx2"/>
+                </a:solidFill>
+              </a:defRPr>
+            </a:lvl3pPr>
+            <a:lvl4pPr eaLnBrk="1" hangingPunct="1">
+              <a:defRPr>
+                <a:solidFill>
+                  <a:schemeClr val="tx2"/>
+                </a:solidFill>
+              </a:defRPr>
+            </a:lvl4pPr>
+            <a:lvl5pPr eaLnBrk="1" hangingPunct="1">
+              <a:defRPr>
+                <a:solidFill>
+                  <a:schemeClr val="tx2"/>
+                </a:solidFill>
+              </a:defRPr>
+            </a:lvl5pPr>
+            <a:lvl6pPr eaLnBrk="1" hangingPunct="1">
+              <a:defRPr>
+                <a:solidFill>
+                  <a:schemeClr val="tx2"/>
+                </a:solidFill>
+              </a:defRPr>
+            </a:lvl6pPr>
+            <a:lvl7pPr eaLnBrk="1" hangingPunct="1">
+              <a:defRPr>
+                <a:solidFill>
+                  <a:schemeClr val="tx2"/>
+                </a:solidFill>
+              </a:defRPr>
+            </a:lvl7pPr>
+            <a:lvl8pPr eaLnBrk="1" hangingPunct="1">
+              <a:defRPr>
+                <a:solidFill>
+                  <a:schemeClr val="tx2"/>
+                </a:solidFill>
+              </a:defRPr>
+            </a:lvl8pPr>
+            <a:lvl9pPr eaLnBrk="1" hangingPunct="1">
+              <a:defRPr>
+                <a:solidFill>
+                  <a:schemeClr val="tx2"/>
+                </a:solidFill>
+              </a:defRPr>
+            </a:lvl9pPr>
+          </a:lstStyle>
+          <a:p>
+            <a:pPr algn="ctr"/>
+            <a:r>
+              <a:rPr lang="id-ID" dirty="0" smtClean="0"/>
+              <a:t>Conclusion</a:t>
+            </a:r>
+            <a:endParaRPr lang="id-ID" dirty="0"/>
+          </a:p>
+        </p:txBody>
+      </p:sp>
+      <p:sp>
+        <p:nvSpPr>
+          <p:cNvPr id="5" name="Title 1"/>
+          <p:cNvSpPr txBox="1">
+            <a:spLocks/>
+          </p:cNvSpPr>
+          <p:nvPr/>
+        </p:nvSpPr>
+        <p:spPr>
+          <a:xfrm>
+            <a:off x="2254006" y="1868331"/>
+            <a:ext cx="8911687" cy="1280890"/>
+          </a:xfrm>
+          <a:prstGeom prst="rect">
+            <a:avLst/>
+          </a:prstGeom>
+        </p:spPr>
+        <p:txBody>
+          <a:bodyPr vert="horz" lIns="91440" tIns="45720" rIns="91440" bIns="45720" rtlCol="0" anchor="t">
+            <a:normAutofit/>
+          </a:bodyPr>
+          <a:lstStyle>
+            <a:lvl1pPr algn="l" defTabSz="457200" rtl="0" eaLnBrk="1" latinLnBrk="0" hangingPunct="1">
+              <a:spcBef>
+                <a:spcPct val="0"/>
+              </a:spcBef>
+              <a:buNone/>
+              <a:defRPr sz="3600" kern="1200">
+                <a:solidFill>
+                  <a:schemeClr val="tx1">
+                    <a:lumMod val="85000"/>
+                    <a:lumOff val="15000"/>
+                  </a:schemeClr>
+                </a:solidFill>
+                <a:latin typeface="+mj-lt"/>
+                <a:ea typeface="+mj-ea"/>
+                <a:cs typeface="+mj-cs"/>
+              </a:defRPr>
+            </a:lvl1pPr>
+            <a:lvl2pPr eaLnBrk="1" hangingPunct="1">
+              <a:defRPr>
+                <a:solidFill>
+                  <a:schemeClr val="tx2"/>
+                </a:solidFill>
+              </a:defRPr>
+            </a:lvl2pPr>
+            <a:lvl3pPr eaLnBrk="1" hangingPunct="1">
+              <a:defRPr>
+                <a:solidFill>
+                  <a:schemeClr val="tx2"/>
+                </a:solidFill>
+              </a:defRPr>
+            </a:lvl3pPr>
+            <a:lvl4pPr eaLnBrk="1" hangingPunct="1">
+              <a:defRPr>
+                <a:solidFill>
+                  <a:schemeClr val="tx2"/>
+                </a:solidFill>
+              </a:defRPr>
+            </a:lvl4pPr>
+            <a:lvl5pPr eaLnBrk="1" hangingPunct="1">
+              <a:defRPr>
+                <a:solidFill>
+                  <a:schemeClr val="tx2"/>
+                </a:solidFill>
+              </a:defRPr>
+            </a:lvl5pPr>
+            <a:lvl6pPr eaLnBrk="1" hangingPunct="1">
+              <a:defRPr>
+                <a:solidFill>
+                  <a:schemeClr val="tx2"/>
+                </a:solidFill>
+              </a:defRPr>
+            </a:lvl6pPr>
+            <a:lvl7pPr eaLnBrk="1" hangingPunct="1">
+              <a:defRPr>
+                <a:solidFill>
+                  <a:schemeClr val="tx2"/>
+                </a:solidFill>
+              </a:defRPr>
+            </a:lvl7pPr>
+            <a:lvl8pPr eaLnBrk="1" hangingPunct="1">
+              <a:defRPr>
+                <a:solidFill>
+                  <a:schemeClr val="tx2"/>
+                </a:solidFill>
+              </a:defRPr>
+            </a:lvl8pPr>
+            <a:lvl9pPr eaLnBrk="1" hangingPunct="1">
+              <a:defRPr>
+                <a:solidFill>
+                  <a:schemeClr val="tx2"/>
+                </a:solidFill>
+              </a:defRPr>
+            </a:lvl9pPr>
+          </a:lstStyle>
+          <a:p>
+            <a:r>
+              <a:rPr lang="id-ID" dirty="0" smtClean="0"/>
+              <a:t>Yes, Media is effective  for busting fake news</a:t>
+            </a:r>
+            <a:endParaRPr lang="id-ID" dirty="0"/>
+          </a:p>
+        </p:txBody>
+      </p:sp>
+      <p:sp>
+        <p:nvSpPr>
+          <p:cNvPr id="6" name="Title 1"/>
+          <p:cNvSpPr txBox="1">
+            <a:spLocks/>
+          </p:cNvSpPr>
+          <p:nvPr/>
+        </p:nvSpPr>
+        <p:spPr>
+          <a:xfrm>
+            <a:off x="2254006" y="3932280"/>
+            <a:ext cx="8911687" cy="1280890"/>
+          </a:xfrm>
+          <a:prstGeom prst="rect">
+            <a:avLst/>
+          </a:prstGeom>
+        </p:spPr>
+        <p:txBody>
+          <a:bodyPr vert="horz" lIns="91440" tIns="45720" rIns="91440" bIns="45720" rtlCol="0" anchor="t">
+            <a:normAutofit/>
+          </a:bodyPr>
+          <a:lstStyle>
+            <a:lvl1pPr algn="l" defTabSz="457200" rtl="0" eaLnBrk="1" latinLnBrk="0" hangingPunct="1">
+              <a:spcBef>
+                <a:spcPct val="0"/>
+              </a:spcBef>
+              <a:buNone/>
+              <a:defRPr sz="3600" kern="1200">
+                <a:solidFill>
+                  <a:schemeClr val="tx1">
+                    <a:lumMod val="85000"/>
+                    <a:lumOff val="15000"/>
+                  </a:schemeClr>
+                </a:solidFill>
+                <a:latin typeface="+mj-lt"/>
+                <a:ea typeface="+mj-ea"/>
+                <a:cs typeface="+mj-cs"/>
+              </a:defRPr>
+            </a:lvl1pPr>
+            <a:lvl2pPr eaLnBrk="1" hangingPunct="1">
+              <a:defRPr>
+                <a:solidFill>
+                  <a:schemeClr val="tx2"/>
+                </a:solidFill>
+              </a:defRPr>
+            </a:lvl2pPr>
+            <a:lvl3pPr eaLnBrk="1" hangingPunct="1">
+              <a:defRPr>
+                <a:solidFill>
+                  <a:schemeClr val="tx2"/>
+                </a:solidFill>
+              </a:defRPr>
+            </a:lvl3pPr>
+            <a:lvl4pPr eaLnBrk="1" hangingPunct="1">
+              <a:defRPr>
+                <a:solidFill>
+                  <a:schemeClr val="tx2"/>
+                </a:solidFill>
+              </a:defRPr>
+            </a:lvl4pPr>
+            <a:lvl5pPr eaLnBrk="1" hangingPunct="1">
+              <a:defRPr>
+                <a:solidFill>
+                  <a:schemeClr val="tx2"/>
+                </a:solidFill>
+              </a:defRPr>
+            </a:lvl5pPr>
+            <a:lvl6pPr eaLnBrk="1" hangingPunct="1">
+              <a:defRPr>
+                <a:solidFill>
+                  <a:schemeClr val="tx2"/>
+                </a:solidFill>
+              </a:defRPr>
+            </a:lvl6pPr>
+            <a:lvl7pPr eaLnBrk="1" hangingPunct="1">
+              <a:defRPr>
+                <a:solidFill>
+                  <a:schemeClr val="tx2"/>
+                </a:solidFill>
+              </a:defRPr>
+            </a:lvl7pPr>
+            <a:lvl8pPr eaLnBrk="1" hangingPunct="1">
+              <a:defRPr>
+                <a:solidFill>
+                  <a:schemeClr val="tx2"/>
+                </a:solidFill>
+              </a:defRPr>
+            </a:lvl8pPr>
+            <a:lvl9pPr eaLnBrk="1" hangingPunct="1">
+              <a:defRPr>
+                <a:solidFill>
+                  <a:schemeClr val="tx2"/>
+                </a:solidFill>
+              </a:defRPr>
+            </a:lvl9pPr>
+          </a:lstStyle>
+          <a:p>
+            <a:r>
+              <a:rPr lang="id-ID" dirty="0" smtClean="0"/>
+              <a:t>Media is also effective in spreading fake news</a:t>
+            </a:r>
+            <a:endParaRPr lang="id-ID" dirty="0"/>
+          </a:p>
+        </p:txBody>
+      </p:sp>
+    </p:spTree>
+    <p:extLst>
+      <p:ext uri="{BB962C8B-B14F-4D97-AF65-F5344CB8AC3E}">
+        <p14:creationId xmlns:p14="http://schemas.microsoft.com/office/powerpoint/2010/main" val="1827001552"/>
+      </p:ext>
+    </p:extLst>
+  </p:cSld>
+  <p:clrMapOvr>
+    <a:masterClrMapping/>
+  </p:clrMapOvr>
+  <p:timing>
+    <p:tnLst>
+      <p:par>
+        <p:cTn id="1" dur="indefinite" restart="never" nodeType="tmRoot"/>
+      </p:par>
+    </p:tnLst>
+  </p:timing>
 </p:sld>
 </file>
 
@@ -7777,25 +8869,23 @@
         </p:nvSpPr>
         <p:spPr/>
         <p:txBody>
-          <a:bodyPr/>
+          <a:bodyPr>
+            <a:normAutofit/>
+          </a:bodyPr>
           <a:lstStyle/>
           <a:p>
             <a:pPr marL="0" indent="0" algn="just">
               <a:buNone/>
             </a:pPr>
             <a:r>
-              <a:rPr lang="id-ID" dirty="0" smtClean="0"/>
-              <a:t>	</a:t>
-            </a:r>
-            <a:r>
-              <a:rPr lang="id-ID" sz="2000" dirty="0" smtClean="0"/>
-              <a:t>Fake news also referred to as hoax news. Deliberately publish hoaxes,propaganda, and disinformation purpoting to be real news. Often using social media to drive web traffic and amplify their effect. It has purpose</a:t>
-            </a:r>
-            <a:r>
-              <a:rPr lang="en-US" sz="2000" dirty="0" smtClean="0"/>
+              <a:rPr lang="id-ID" sz="3200" dirty="0" smtClean="0"/>
+              <a:t>	Fake news also referred to as hoax news. Deliberately publish hoaxes,propaganda, and disinformation purpoting to be real news. Often using social media to drive web traffic and amplify their effect. It has purpose</a:t>
+            </a:r>
+            <a:r>
+              <a:rPr lang="en-US" sz="3200" dirty="0" smtClean="0"/>
               <a:t> to mislead in order to gain financially or politically.</a:t>
             </a:r>
-            <a:endParaRPr lang="id-ID" dirty="0"/>
+            <a:endParaRPr lang="id-ID" sz="3200" dirty="0"/>
           </a:p>
         </p:txBody>
       </p:sp>
@@ -7809,6 +8899,136 @@
   <p:clrMapOvr>
     <a:masterClrMapping/>
   </p:clrMapOvr>
+  <p:timing>
+    <p:tnLst>
+      <p:par>
+        <p:cTn id="1" dur="indefinite" restart="never" nodeType="tmRoot">
+          <p:childTnLst>
+            <p:seq concurrent="1" nextAc="seek">
+              <p:cTn id="2" dur="indefinite" nodeType="mainSeq">
+                <p:childTnLst>
+                  <p:par>
+                    <p:cTn id="3" fill="hold">
+                      <p:stCondLst>
+                        <p:cond delay="indefinite"/>
+                      </p:stCondLst>
+                      <p:childTnLst>
+                        <p:par>
+                          <p:cTn id="4" fill="hold">
+                            <p:stCondLst>
+                              <p:cond delay="0"/>
+                            </p:stCondLst>
+                            <p:childTnLst>
+                              <p:par>
+                                <p:cTn id="5" presetID="10" presetClass="entr" presetSubtype="0" fill="hold" grpId="0" nodeType="clickEffect">
+                                  <p:stCondLst>
+                                    <p:cond delay="0"/>
+                                  </p:stCondLst>
+                                  <p:childTnLst>
+                                    <p:set>
+                                      <p:cBhvr>
+                                        <p:cTn id="6" dur="1" fill="hold">
+                                          <p:stCondLst>
+                                            <p:cond delay="0"/>
+                                          </p:stCondLst>
+                                        </p:cTn>
+                                        <p:tgtEl>
+                                          <p:spTgt spid="2"/>
+                                        </p:tgtEl>
+                                        <p:attrNameLst>
+                                          <p:attrName>style.visibility</p:attrName>
+                                        </p:attrNameLst>
+                                      </p:cBhvr>
+                                      <p:to>
+                                        <p:strVal val="visible"/>
+                                      </p:to>
+                                    </p:set>
+                                    <p:animEffect transition="in" filter="fade">
+                                      <p:cBhvr>
+                                        <p:cTn id="7" dur="500"/>
+                                        <p:tgtEl>
+                                          <p:spTgt spid="2"/>
+                                        </p:tgtEl>
+                                      </p:cBhvr>
+                                    </p:animEffect>
+                                  </p:childTnLst>
+                                </p:cTn>
+                              </p:par>
+                              <p:par>
+                                <p:cTn id="8" presetID="10" presetClass="entr" presetSubtype="0" fill="hold" grpId="0" nodeType="withEffect">
+                                  <p:stCondLst>
+                                    <p:cond delay="200"/>
+                                  </p:stCondLst>
+                                  <p:childTnLst>
+                                    <p:set>
+                                      <p:cBhvr>
+                                        <p:cTn id="9" dur="1" fill="hold">
+                                          <p:stCondLst>
+                                            <p:cond delay="0"/>
+                                          </p:stCondLst>
+                                        </p:cTn>
+                                        <p:tgtEl>
+                                          <p:spTgt spid="3">
+                                            <p:txEl>
+                                              <p:pRg st="0" end="0"/>
+                                            </p:txEl>
+                                          </p:spTgt>
+                                        </p:tgtEl>
+                                        <p:attrNameLst>
+                                          <p:attrName>style.visibility</p:attrName>
+                                        </p:attrNameLst>
+                                      </p:cBhvr>
+                                      <p:to>
+                                        <p:strVal val="visible"/>
+                                      </p:to>
+                                    </p:set>
+                                    <p:animEffect transition="in" filter="fade">
+                                      <p:cBhvr>
+                                        <p:cTn id="10" dur="500"/>
+                                        <p:tgtEl>
+                                          <p:spTgt spid="3">
+                                            <p:txEl>
+                                              <p:pRg st="0" end="0"/>
+                                            </p:txEl>
+                                          </p:spTgt>
+                                        </p:tgtEl>
+                                      </p:cBhvr>
+                                    </p:animEffect>
+                                  </p:childTnLst>
+                                </p:cTn>
+                              </p:par>
+                            </p:childTnLst>
+                          </p:cTn>
+                        </p:par>
+                      </p:childTnLst>
+                    </p:cTn>
+                  </p:par>
+                </p:childTnLst>
+              </p:cTn>
+              <p:prevCondLst>
+                <p:cond evt="onPrev" delay="0">
+                  <p:tgtEl>
+                    <p:sldTgt/>
+                  </p:tgtEl>
+                </p:cond>
+              </p:prevCondLst>
+              <p:nextCondLst>
+                <p:cond evt="onNext" delay="0">
+                  <p:tgtEl>
+                    <p:sldTgt/>
+                  </p:tgtEl>
+                </p:cond>
+              </p:nextCondLst>
+            </p:seq>
+          </p:childTnLst>
+        </p:cTn>
+      </p:par>
+    </p:tnLst>
+    <p:bldLst>
+      <p:bldP spid="2" grpId="0"/>
+      <p:bldP spid="3" grpId="0" build="p"/>
+    </p:bldLst>
+  </p:timing>
 </p:sld>
 </file>
 
@@ -7862,7 +9082,7 @@
             <p:ph idx="1"/>
           </p:nvPr>
         </p:nvPicPr>
-        <p:blipFill>
+        <p:blipFill rotWithShape="1">
           <a:blip r:embed="rId2">
             <a:extLst>
               <a:ext uri="{28A0092B-C50C-407E-A947-70E740481C1C}">
@@ -7870,15 +9090,186 @@
               </a:ext>
             </a:extLst>
           </a:blip>
-          <a:srcRect/>
-          <a:stretch>
-            <a:fillRect/>
-          </a:stretch>
+          <a:srcRect r="50851"/>
+          <a:stretch/>
         </p:blipFill>
         <p:spPr bwMode="auto">
           <a:xfrm>
             <a:off x="1575515" y="1690688"/>
-            <a:ext cx="9040970" cy="4520485"/>
+            <a:ext cx="4443584" cy="4520485"/>
+          </a:xfrm>
+          <a:prstGeom prst="rect">
+            <a:avLst/>
+          </a:prstGeom>
+          <a:noFill/>
+          <a:extLst>
+            <a:ext uri="{909E8E84-426E-40DD-AFC4-6F175D3DCCD1}">
+              <a14:hiddenFill xmlns:a14="http://schemas.microsoft.com/office/drawing/2010/main">
+                <a:solidFill>
+                  <a:srgbClr val="FFFFFF"/>
+                </a:solidFill>
+              </a14:hiddenFill>
+            </a:ext>
+          </a:extLst>
+        </p:spPr>
+      </p:pic>
+      <p:sp>
+        <p:nvSpPr>
+          <p:cNvPr id="3" name="Rectangle 2"/>
+          <p:cNvSpPr/>
+          <p:nvPr/>
+        </p:nvSpPr>
+        <p:spPr>
+          <a:xfrm>
+            <a:off x="1727205" y="4914160"/>
+            <a:ext cx="4129656" cy="1200329"/>
+          </a:xfrm>
+          <a:prstGeom prst="rect">
+            <a:avLst/>
+          </a:prstGeom>
+          <a:noFill/>
+        </p:spPr>
+        <p:txBody>
+          <a:bodyPr wrap="none" lIns="91440" tIns="45720" rIns="91440" bIns="45720">
+            <a:spAutoFit/>
+          </a:bodyPr>
+          <a:lstStyle/>
+          <a:p>
+            <a:pPr algn="ctr"/>
+            <a:r>
+              <a:rPr lang="id-ID" sz="2400" b="0" cap="none" spc="0" dirty="0" smtClean="0">
+                <a:ln w="18415" cmpd="sng">
+                  <a:solidFill>
+                    <a:srgbClr val="FFFFFF"/>
+                  </a:solidFill>
+                  <a:prstDash val="solid"/>
+                </a:ln>
+                <a:solidFill>
+                  <a:srgbClr val="FFFFFF"/>
+                </a:solidFill>
+                <a:effectLst>
+                  <a:outerShdw blurRad="63500" dir="3600000" algn="tl" rotWithShape="0">
+                    <a:srgbClr val="000000">
+                      <a:alpha val="70000"/>
+                    </a:srgbClr>
+                  </a:outerShdw>
+                </a:effectLst>
+              </a:rPr>
+              <a:t>This little boy lives in his</a:t>
+            </a:r>
+          </a:p>
+          <a:p>
+            <a:pPr algn="ctr"/>
+            <a:r>
+              <a:rPr lang="id-ID" sz="2400" dirty="0" smtClean="0">
+                <a:ln w="18415" cmpd="sng">
+                  <a:solidFill>
+                    <a:srgbClr val="FFFFFF"/>
+                  </a:solidFill>
+                  <a:prstDash val="solid"/>
+                </a:ln>
+                <a:solidFill>
+                  <a:srgbClr val="FFFFFF"/>
+                </a:solidFill>
+                <a:effectLst>
+                  <a:outerShdw blurRad="63500" dir="3600000" algn="tl" rotWithShape="0">
+                    <a:srgbClr val="000000">
+                      <a:alpha val="70000"/>
+                    </a:srgbClr>
+                  </a:outerShdw>
+                </a:effectLst>
+              </a:rPr>
+              <a:t>Parent’s grave for 3 years, </a:t>
+            </a:r>
+          </a:p>
+          <a:p>
+            <a:pPr algn="ctr"/>
+            <a:r>
+              <a:rPr lang="id-ID" sz="2400" dirty="0">
+                <a:ln w="18415" cmpd="sng">
+                  <a:solidFill>
+                    <a:srgbClr val="FFFFFF"/>
+                  </a:solidFill>
+                  <a:prstDash val="solid"/>
+                </a:ln>
+                <a:solidFill>
+                  <a:srgbClr val="FFFFFF"/>
+                </a:solidFill>
+                <a:effectLst>
+                  <a:outerShdw blurRad="63500" dir="3600000" algn="tl" rotWithShape="0">
+                    <a:srgbClr val="000000">
+                      <a:alpha val="70000"/>
+                    </a:srgbClr>
+                  </a:outerShdw>
+                </a:effectLst>
+              </a:rPr>
+              <a:t>u</a:t>
+            </a:r>
+            <a:r>
+              <a:rPr lang="id-ID" sz="2400" dirty="0" smtClean="0">
+                <a:ln w="18415" cmpd="sng">
+                  <a:solidFill>
+                    <a:srgbClr val="FFFFFF"/>
+                  </a:solidFill>
+                  <a:prstDash val="solid"/>
+                </a:ln>
+                <a:solidFill>
+                  <a:srgbClr val="FFFFFF"/>
+                </a:solidFill>
+                <a:effectLst>
+                  <a:outerShdw blurRad="63500" dir="3600000" algn="tl" rotWithShape="0">
+                    <a:srgbClr val="000000">
+                      <a:alpha val="70000"/>
+                    </a:srgbClr>
+                  </a:outerShdw>
+                </a:effectLst>
+              </a:rPr>
+              <a:t>ntil his death is coming </a:t>
+            </a:r>
+            <a:endParaRPr lang="en-US" sz="2400" b="0" cap="none" spc="0" dirty="0">
+              <a:ln w="18415" cmpd="sng">
+                <a:solidFill>
+                  <a:srgbClr val="FFFFFF"/>
+                </a:solidFill>
+                <a:prstDash val="solid"/>
+              </a:ln>
+              <a:solidFill>
+                <a:srgbClr val="FFFFFF"/>
+              </a:solidFill>
+              <a:effectLst>
+                <a:outerShdw blurRad="63500" dir="3600000" algn="tl" rotWithShape="0">
+                  <a:srgbClr val="000000">
+                    <a:alpha val="70000"/>
+                  </a:srgbClr>
+                </a:outerShdw>
+              </a:effectLst>
+            </a:endParaRPr>
+          </a:p>
+        </p:txBody>
+      </p:sp>
+      <p:pic>
+        <p:nvPicPr>
+          <p:cNvPr id="5" name="Picture 2" descr="http://yangseru.com/wp-content/uploads/2014/04/anak-tidur-di-makam-orang-tuanya.jpg"/>
+          <p:cNvPicPr>
+            <a:picLocks noChangeAspect="1" noChangeArrowheads="1"/>
+          </p:cNvPicPr>
+          <p:nvPr/>
+        </p:nvPicPr>
+        <p:blipFill rotWithShape="1">
+          <a:blip r:embed="rId2">
+            <a:extLst>
+              <a:ext uri="{28A0092B-C50C-407E-A947-70E740481C1C}">
+                <a14:useLocalDpi xmlns:a14="http://schemas.microsoft.com/office/drawing/2010/main" val="0"/>
+              </a:ext>
+            </a:extLst>
+          </a:blip>
+          <a:srcRect l="51082"/>
+          <a:stretch/>
+        </p:blipFill>
+        <p:spPr bwMode="auto">
+          <a:xfrm>
+            <a:off x="6196083" y="1706608"/>
+            <a:ext cx="4422673" cy="4520485"/>
           </a:xfrm>
           <a:prstGeom prst="rect">
             <a:avLst/>
@@ -7905,6 +9296,216 @@
   <p:clrMapOvr>
     <a:masterClrMapping/>
   </p:clrMapOvr>
+  <p:timing>
+    <p:tnLst>
+      <p:par>
+        <p:cTn id="1" dur="indefinite" restart="never" nodeType="tmRoot">
+          <p:childTnLst>
+            <p:seq concurrent="1" nextAc="seek">
+              <p:cTn id="2" dur="indefinite" nodeType="mainSeq">
+                <p:childTnLst>
+                  <p:par>
+                    <p:cTn id="3" fill="hold">
+                      <p:stCondLst>
+                        <p:cond delay="indefinite"/>
+                      </p:stCondLst>
+                      <p:childTnLst>
+                        <p:par>
+                          <p:cTn id="4" fill="hold">
+                            <p:stCondLst>
+                              <p:cond delay="0"/>
+                            </p:stCondLst>
+                            <p:childTnLst>
+                              <p:par>
+                                <p:cTn id="5" presetID="10" presetClass="entr" presetSubtype="0" fill="hold" grpId="0" nodeType="clickEffect">
+                                  <p:stCondLst>
+                                    <p:cond delay="0"/>
+                                  </p:stCondLst>
+                                  <p:childTnLst>
+                                    <p:set>
+                                      <p:cBhvr>
+                                        <p:cTn id="6" dur="1" fill="hold">
+                                          <p:stCondLst>
+                                            <p:cond delay="0"/>
+                                          </p:stCondLst>
+                                        </p:cTn>
+                                        <p:tgtEl>
+                                          <p:spTgt spid="2"/>
+                                        </p:tgtEl>
+                                        <p:attrNameLst>
+                                          <p:attrName>style.visibility</p:attrName>
+                                        </p:attrNameLst>
+                                      </p:cBhvr>
+                                      <p:to>
+                                        <p:strVal val="visible"/>
+                                      </p:to>
+                                    </p:set>
+                                    <p:animEffect transition="in" filter="fade">
+                                      <p:cBhvr>
+                                        <p:cTn id="7" dur="500"/>
+                                        <p:tgtEl>
+                                          <p:spTgt spid="2"/>
+                                        </p:tgtEl>
+                                      </p:cBhvr>
+                                    </p:animEffect>
+                                  </p:childTnLst>
+                                </p:cTn>
+                              </p:par>
+                              <p:par>
+                                <p:cTn id="8" presetID="10" presetClass="entr" presetSubtype="0" fill="hold" nodeType="withEffect">
+                                  <p:stCondLst>
+                                    <p:cond delay="0"/>
+                                  </p:stCondLst>
+                                  <p:childTnLst>
+                                    <p:set>
+                                      <p:cBhvr>
+                                        <p:cTn id="9" dur="1" fill="hold">
+                                          <p:stCondLst>
+                                            <p:cond delay="0"/>
+                                          </p:stCondLst>
+                                        </p:cTn>
+                                        <p:tgtEl>
+                                          <p:spTgt spid="1026"/>
+                                        </p:tgtEl>
+                                        <p:attrNameLst>
+                                          <p:attrName>style.visibility</p:attrName>
+                                        </p:attrNameLst>
+                                      </p:cBhvr>
+                                      <p:to>
+                                        <p:strVal val="visible"/>
+                                      </p:to>
+                                    </p:set>
+                                    <p:animEffect transition="in" filter="fade">
+                                      <p:cBhvr>
+                                        <p:cTn id="10" dur="500"/>
+                                        <p:tgtEl>
+                                          <p:spTgt spid="1026"/>
+                                        </p:tgtEl>
+                                      </p:cBhvr>
+                                    </p:animEffect>
+                                  </p:childTnLst>
+                                </p:cTn>
+                              </p:par>
+                              <p:par>
+                                <p:cTn id="11" presetID="10" presetClass="entr" presetSubtype="0" fill="hold" grpId="0" nodeType="withEffect">
+                                  <p:stCondLst>
+                                    <p:cond delay="0"/>
+                                  </p:stCondLst>
+                                  <p:childTnLst>
+                                    <p:set>
+                                      <p:cBhvr>
+                                        <p:cTn id="12" dur="1" fill="hold">
+                                          <p:stCondLst>
+                                            <p:cond delay="0"/>
+                                          </p:stCondLst>
+                                        </p:cTn>
+                                        <p:tgtEl>
+                                          <p:spTgt spid="3"/>
+                                        </p:tgtEl>
+                                        <p:attrNameLst>
+                                          <p:attrName>style.visibility</p:attrName>
+                                        </p:attrNameLst>
+                                      </p:cBhvr>
+                                      <p:to>
+                                        <p:strVal val="visible"/>
+                                      </p:to>
+                                    </p:set>
+                                    <p:animEffect transition="in" filter="fade">
+                                      <p:cBhvr>
+                                        <p:cTn id="13" dur="500"/>
+                                        <p:tgtEl>
+                                          <p:spTgt spid="3"/>
+                                        </p:tgtEl>
+                                      </p:cBhvr>
+                                    </p:animEffect>
+                                  </p:childTnLst>
+                                </p:cTn>
+                              </p:par>
+                            </p:childTnLst>
+                          </p:cTn>
+                        </p:par>
+                      </p:childTnLst>
+                    </p:cTn>
+                  </p:par>
+                  <p:par>
+                    <p:cTn id="14" fill="hold">
+                      <p:stCondLst>
+                        <p:cond delay="indefinite"/>
+                      </p:stCondLst>
+                      <p:childTnLst>
+                        <p:par>
+                          <p:cTn id="15" fill="hold">
+                            <p:stCondLst>
+                              <p:cond delay="0"/>
+                            </p:stCondLst>
+                            <p:childTnLst>
+                              <p:par>
+                                <p:cTn id="16" presetID="10" presetClass="entr" presetSubtype="0" fill="hold" nodeType="clickEffect">
+                                  <p:stCondLst>
+                                    <p:cond delay="0"/>
+                                  </p:stCondLst>
+                                  <p:childTnLst>
+                                    <p:set>
+                                      <p:cBhvr>
+                                        <p:cTn id="17" dur="1" fill="hold">
+                                          <p:stCondLst>
+                                            <p:cond delay="0"/>
+                                          </p:stCondLst>
+                                        </p:cTn>
+                                        <p:tgtEl>
+                                          <p:spTgt spid="5"/>
+                                        </p:tgtEl>
+                                        <p:attrNameLst>
+                                          <p:attrName>style.visibility</p:attrName>
+                                        </p:attrNameLst>
+                                      </p:cBhvr>
+                                      <p:to>
+                                        <p:strVal val="visible"/>
+                                      </p:to>
+                                    </p:set>
+                                    <p:animEffect transition="in" filter="fade">
+                                      <p:cBhvr>
+                                        <p:cTn id="18" dur="500"/>
+                                        <p:tgtEl>
+                                          <p:spTgt spid="5"/>
+                                        </p:tgtEl>
+                                      </p:cBhvr>
+                                    </p:animEffect>
+                                  </p:childTnLst>
+                                </p:cTn>
+                              </p:par>
+                            </p:childTnLst>
+                          </p:cTn>
+                        </p:par>
+                      </p:childTnLst>
+                    </p:cTn>
+                  </p:par>
+                </p:childTnLst>
+              </p:cTn>
+              <p:prevCondLst>
+                <p:cond evt="onPrev" delay="0">
+                  <p:tgtEl>
+                    <p:sldTgt/>
+                  </p:tgtEl>
+                </p:cond>
+              </p:prevCondLst>
+              <p:nextCondLst>
+                <p:cond evt="onNext" delay="0">
+                  <p:tgtEl>
+                    <p:sldTgt/>
+                  </p:tgtEl>
+                </p:cond>
+              </p:nextCondLst>
+            </p:seq>
+          </p:childTnLst>
+        </p:cTn>
+      </p:par>
+    </p:tnLst>
+    <p:bldLst>
+      <p:bldP spid="2" grpId="0"/>
+      <p:bldP spid="3" grpId="0"/>
+    </p:bldLst>
+  </p:timing>
 </p:sld>
 </file>
 
@@ -7972,7 +9573,11 @@
           </a:p>
           <a:p>
             <a:r>
-              <a:rPr lang="id-ID" dirty="0" smtClean="0"/>
+              <a:rPr lang="id-ID" dirty="0" smtClean="0">
+                <a:solidFill>
+                  <a:srgbClr val="FF0000"/>
+                </a:solidFill>
+              </a:rPr>
               <a:t>Read beyond the headline (to understand the whole story)</a:t>
             </a:r>
           </a:p>
@@ -7984,13 +9589,21 @@
           </a:p>
           <a:p>
             <a:r>
-              <a:rPr lang="id-ID" dirty="0" smtClean="0"/>
+              <a:rPr lang="id-ID" dirty="0" smtClean="0">
+                <a:solidFill>
+                  <a:srgbClr val="FF0000"/>
+                </a:solidFill>
+              </a:rPr>
               <a:t>Assess the supporting sources (to ensure they support the claims)</a:t>
             </a:r>
           </a:p>
           <a:p>
             <a:r>
-              <a:rPr lang="id-ID" dirty="0" smtClean="0"/>
+              <a:rPr lang="id-ID" dirty="0" smtClean="0">
+                <a:solidFill>
+                  <a:srgbClr val="FF0000"/>
+                </a:solidFill>
+              </a:rPr>
               <a:t>Check the date of publication (to see if the story is relevant and up to date) </a:t>
             </a:r>
           </a:p>
@@ -8024,6 +9637,13 @@
   <p:clrMapOvr>
     <a:masterClrMapping/>
   </p:clrMapOvr>
+  <p:timing>
+    <p:tnLst>
+      <p:par>
+        <p:cTn id="1" dur="indefinite" restart="never" nodeType="tmRoot"/>
+      </p:par>
+    </p:tnLst>
+  </p:timing>
 </p:sld>
 </file>
 
@@ -8054,7 +9674,12 @@
             <p:ph type="title"/>
           </p:nvPr>
         </p:nvSpPr>
-        <p:spPr/>
+        <p:spPr>
+          <a:xfrm>
+            <a:off x="1828650" y="269268"/>
+            <a:ext cx="8911687" cy="1280890"/>
+          </a:xfrm>
+        </p:spPr>
         <p:txBody>
           <a:bodyPr/>
           <a:lstStyle/>
@@ -8077,71 +9702,150 @@
             <p:ph idx="1"/>
           </p:nvPr>
         </p:nvSpPr>
-        <p:spPr/>
+        <p:spPr>
+          <a:xfrm>
+            <a:off x="487457" y="2133600"/>
+            <a:ext cx="8915400" cy="3777622"/>
+          </a:xfrm>
+        </p:spPr>
         <p:txBody>
           <a:bodyPr>
-            <a:normAutofit lnSpcReduction="10000"/>
+            <a:noAutofit/>
           </a:bodyPr>
           <a:lstStyle/>
           <a:p>
             <a:r>
-              <a:rPr lang="id-ID" dirty="0" smtClean="0"/>
+              <a:rPr lang="id-ID" sz="2800" dirty="0" smtClean="0"/>
               <a:t>Fake news </a:t>
             </a:r>
           </a:p>
           <a:p>
             <a:r>
-              <a:rPr lang="id-ID" dirty="0" smtClean="0"/>
+              <a:rPr lang="id-ID" sz="2800" dirty="0" smtClean="0"/>
               <a:t>Mistakes </a:t>
             </a:r>
           </a:p>
           <a:p>
             <a:r>
-              <a:rPr lang="id-ID" dirty="0" smtClean="0"/>
+              <a:rPr lang="id-ID" sz="2800" dirty="0" smtClean="0"/>
               <a:t>Fliers </a:t>
             </a:r>
-          </a:p>
-          <a:p>
-            <a:r>
-              <a:rPr lang="id-ID" dirty="0" smtClean="0"/>
-              <a:t>Conspiracy Theories </a:t>
-            </a:r>
-          </a:p>
-          <a:p>
-            <a:r>
-              <a:rPr lang="id-ID" dirty="0" smtClean="0"/>
+            <a:endParaRPr lang="id-ID" sz="2800" dirty="0" smtClean="0"/>
+          </a:p>
+          <a:p>
+            <a:r>
+              <a:rPr lang="id-ID" sz="2800" dirty="0"/>
+              <a:t>Satire </a:t>
+            </a:r>
+          </a:p>
+          <a:p>
+            <a:r>
+              <a:rPr lang="id-ID" sz="2800" dirty="0"/>
+              <a:t>Gaslighting </a:t>
+            </a:r>
+          </a:p>
+          <a:p>
+            <a:r>
+              <a:rPr lang="id-ID" sz="2800" dirty="0" smtClean="0"/>
+              <a:t>Conspiracy </a:t>
+            </a:r>
+            <a:r>
+              <a:rPr lang="id-ID" sz="2800" dirty="0" smtClean="0"/>
+              <a:t>Theories </a:t>
+            </a:r>
+            <a:r>
+              <a:rPr lang="id-ID" sz="2800" dirty="0" smtClean="0"/>
+              <a:t>– Roswell UFO</a:t>
+            </a:r>
+            <a:endParaRPr lang="id-ID" sz="2800" dirty="0" smtClean="0"/>
+          </a:p>
+          <a:p>
+            <a:r>
+              <a:rPr lang="id-ID" sz="2800" dirty="0" smtClean="0"/>
               <a:t>Propaganda </a:t>
             </a:r>
-          </a:p>
-          <a:p>
-            <a:r>
-              <a:rPr lang="id-ID" dirty="0" smtClean="0"/>
-              <a:t>Satire </a:t>
-            </a:r>
-          </a:p>
-          <a:p>
-            <a:r>
-              <a:rPr lang="id-ID" dirty="0" smtClean="0"/>
-              <a:t>Gaslighting </a:t>
-            </a:r>
-          </a:p>
-          <a:p>
-            <a:endParaRPr lang="id-ID" dirty="0"/>
-          </a:p>
-          <a:p>
-            <a:endParaRPr lang="id-ID" dirty="0" smtClean="0"/>
-          </a:p>
-          <a:p>
-            <a:pPr marL="0" indent="0">
-              <a:buNone/>
-            </a:pPr>
-            <a:r>
-              <a:rPr lang="id-ID" dirty="0"/>
-              <a:t>http://www.voiceofsandiego.org/topics/news/7-types-fake-news/</a:t>
-            </a:r>
+            <a:r>
+              <a:rPr lang="id-ID" sz="2800" dirty="0" smtClean="0"/>
+              <a:t>– North Korea Landed Man on Sun</a:t>
+            </a:r>
+            <a:endParaRPr lang="id-ID" sz="2800" dirty="0" smtClean="0"/>
+          </a:p>
+          <a:p>
+            <a:endParaRPr lang="id-ID" sz="2800" dirty="0" smtClean="0"/>
           </a:p>
         </p:txBody>
       </p:sp>
+      <p:pic>
+        <p:nvPicPr>
+          <p:cNvPr id="1026" name="Picture 2" descr="Hasil gambar untuk roswell newspaper"/>
+          <p:cNvPicPr>
+            <a:picLocks noChangeAspect="1" noChangeArrowheads="1"/>
+          </p:cNvPicPr>
+          <p:nvPr/>
+        </p:nvPicPr>
+        <p:blipFill>
+          <a:blip r:embed="rId2">
+            <a:extLst>
+              <a:ext uri="{28A0092B-C50C-407E-A947-70E740481C1C}">
+                <a14:useLocalDpi xmlns:a14="http://schemas.microsoft.com/office/drawing/2010/main" val="0"/>
+              </a:ext>
+            </a:extLst>
+          </a:blip>
+          <a:srcRect/>
+          <a:stretch>
+            <a:fillRect/>
+          </a:stretch>
+        </p:blipFill>
+        <p:spPr bwMode="auto">
+          <a:xfrm>
+            <a:off x="5496398" y="1242452"/>
+            <a:ext cx="5562838" cy="3129096"/>
+          </a:xfrm>
+          <a:prstGeom prst="rect">
+            <a:avLst/>
+          </a:prstGeom>
+          <a:noFill/>
+          <a:extLst>
+            <a:ext uri="{909E8E84-426E-40DD-AFC4-6F175D3DCCD1}">
+              <a14:hiddenFill xmlns:a14="http://schemas.microsoft.com/office/drawing/2010/main">
+                <a:solidFill>
+                  <a:srgbClr val="FFFFFF"/>
+                </a:solidFill>
+              </a14:hiddenFill>
+            </a:ext>
+          </a:extLst>
+        </p:spPr>
+      </p:pic>
+      <p:pic>
+        <p:nvPicPr>
+          <p:cNvPr id="4" name="Picture 3" descr="Screen Clipping"/>
+          <p:cNvPicPr>
+            <a:picLocks noChangeAspect="1"/>
+          </p:cNvPicPr>
+          <p:nvPr/>
+        </p:nvPicPr>
+        <p:blipFill>
+          <a:blip r:embed="rId3">
+            <a:extLst>
+              <a:ext uri="{28A0092B-C50C-407E-A947-70E740481C1C}">
+                <a14:useLocalDpi xmlns:a14="http://schemas.microsoft.com/office/drawing/2010/main" val="0"/>
+              </a:ext>
+            </a:extLst>
+          </a:blip>
+          <a:stretch>
+            <a:fillRect/>
+          </a:stretch>
+        </p:blipFill>
+        <p:spPr>
+          <a:xfrm>
+            <a:off x="1678676" y="492849"/>
+            <a:ext cx="8843749" cy="4997324"/>
+          </a:xfrm>
+          <a:prstGeom prst="rect">
+            <a:avLst/>
+          </a:prstGeom>
+        </p:spPr>
+      </p:pic>
     </p:spTree>
     <p:extLst>
       <p:ext uri="{BB962C8B-B14F-4D97-AF65-F5344CB8AC3E}">
@@ -8152,6 +9856,533 @@
   <p:clrMapOvr>
     <a:masterClrMapping/>
   </p:clrMapOvr>
+  <p:timing>
+    <p:tnLst>
+      <p:par>
+        <p:cTn id="1" dur="indefinite" restart="never" nodeType="tmRoot">
+          <p:childTnLst>
+            <p:seq concurrent="1" nextAc="seek">
+              <p:cTn id="2" dur="indefinite" nodeType="mainSeq">
+                <p:childTnLst>
+                  <p:par>
+                    <p:cTn id="3" fill="hold">
+                      <p:stCondLst>
+                        <p:cond delay="indefinite"/>
+                      </p:stCondLst>
+                      <p:childTnLst>
+                        <p:par>
+                          <p:cTn id="4" fill="hold">
+                            <p:stCondLst>
+                              <p:cond delay="0"/>
+                            </p:stCondLst>
+                            <p:childTnLst>
+                              <p:par>
+                                <p:cTn id="5" presetID="10" presetClass="entr" presetSubtype="0" fill="hold" nodeType="clickEffect">
+                                  <p:stCondLst>
+                                    <p:cond delay="0"/>
+                                  </p:stCondLst>
+                                  <p:childTnLst>
+                                    <p:set>
+                                      <p:cBhvr>
+                                        <p:cTn id="6" dur="1" fill="hold">
+                                          <p:stCondLst>
+                                            <p:cond delay="0"/>
+                                          </p:stCondLst>
+                                        </p:cTn>
+                                        <p:tgtEl>
+                                          <p:spTgt spid="3">
+                                            <p:txEl>
+                                              <p:pRg st="0" end="0"/>
+                                            </p:txEl>
+                                          </p:spTgt>
+                                        </p:tgtEl>
+                                        <p:attrNameLst>
+                                          <p:attrName>style.visibility</p:attrName>
+                                        </p:attrNameLst>
+                                      </p:cBhvr>
+                                      <p:to>
+                                        <p:strVal val="visible"/>
+                                      </p:to>
+                                    </p:set>
+                                    <p:animEffect transition="in" filter="fade">
+                                      <p:cBhvr>
+                                        <p:cTn id="7" dur="500"/>
+                                        <p:tgtEl>
+                                          <p:spTgt spid="3">
+                                            <p:txEl>
+                                              <p:pRg st="0" end="0"/>
+                                            </p:txEl>
+                                          </p:spTgt>
+                                        </p:tgtEl>
+                                      </p:cBhvr>
+                                    </p:animEffect>
+                                  </p:childTnLst>
+                                </p:cTn>
+                              </p:par>
+                            </p:childTnLst>
+                          </p:cTn>
+                        </p:par>
+                      </p:childTnLst>
+                    </p:cTn>
+                  </p:par>
+                  <p:par>
+                    <p:cTn id="8" fill="hold">
+                      <p:stCondLst>
+                        <p:cond delay="indefinite"/>
+                      </p:stCondLst>
+                      <p:childTnLst>
+                        <p:par>
+                          <p:cTn id="9" fill="hold">
+                            <p:stCondLst>
+                              <p:cond delay="0"/>
+                            </p:stCondLst>
+                            <p:childTnLst>
+                              <p:par>
+                                <p:cTn id="10" presetID="10" presetClass="entr" presetSubtype="0" fill="hold" nodeType="clickEffect">
+                                  <p:stCondLst>
+                                    <p:cond delay="0"/>
+                                  </p:stCondLst>
+                                  <p:childTnLst>
+                                    <p:set>
+                                      <p:cBhvr>
+                                        <p:cTn id="11" dur="1" fill="hold">
+                                          <p:stCondLst>
+                                            <p:cond delay="0"/>
+                                          </p:stCondLst>
+                                        </p:cTn>
+                                        <p:tgtEl>
+                                          <p:spTgt spid="3">
+                                            <p:txEl>
+                                              <p:pRg st="1" end="1"/>
+                                            </p:txEl>
+                                          </p:spTgt>
+                                        </p:tgtEl>
+                                        <p:attrNameLst>
+                                          <p:attrName>style.visibility</p:attrName>
+                                        </p:attrNameLst>
+                                      </p:cBhvr>
+                                      <p:to>
+                                        <p:strVal val="visible"/>
+                                      </p:to>
+                                    </p:set>
+                                    <p:animEffect transition="in" filter="fade">
+                                      <p:cBhvr>
+                                        <p:cTn id="12" dur="500"/>
+                                        <p:tgtEl>
+                                          <p:spTgt spid="3">
+                                            <p:txEl>
+                                              <p:pRg st="1" end="1"/>
+                                            </p:txEl>
+                                          </p:spTgt>
+                                        </p:tgtEl>
+                                      </p:cBhvr>
+                                    </p:animEffect>
+                                  </p:childTnLst>
+                                </p:cTn>
+                              </p:par>
+                            </p:childTnLst>
+                          </p:cTn>
+                        </p:par>
+                      </p:childTnLst>
+                    </p:cTn>
+                  </p:par>
+                  <p:par>
+                    <p:cTn id="13" fill="hold">
+                      <p:stCondLst>
+                        <p:cond delay="indefinite"/>
+                      </p:stCondLst>
+                      <p:childTnLst>
+                        <p:par>
+                          <p:cTn id="14" fill="hold">
+                            <p:stCondLst>
+                              <p:cond delay="0"/>
+                            </p:stCondLst>
+                            <p:childTnLst>
+                              <p:par>
+                                <p:cTn id="15" presetID="10" presetClass="entr" presetSubtype="0" fill="hold" nodeType="clickEffect">
+                                  <p:stCondLst>
+                                    <p:cond delay="0"/>
+                                  </p:stCondLst>
+                                  <p:childTnLst>
+                                    <p:set>
+                                      <p:cBhvr>
+                                        <p:cTn id="16" dur="1" fill="hold">
+                                          <p:stCondLst>
+                                            <p:cond delay="0"/>
+                                          </p:stCondLst>
+                                        </p:cTn>
+                                        <p:tgtEl>
+                                          <p:spTgt spid="3">
+                                            <p:txEl>
+                                              <p:pRg st="2" end="2"/>
+                                            </p:txEl>
+                                          </p:spTgt>
+                                        </p:tgtEl>
+                                        <p:attrNameLst>
+                                          <p:attrName>style.visibility</p:attrName>
+                                        </p:attrNameLst>
+                                      </p:cBhvr>
+                                      <p:to>
+                                        <p:strVal val="visible"/>
+                                      </p:to>
+                                    </p:set>
+                                    <p:animEffect transition="in" filter="fade">
+                                      <p:cBhvr>
+                                        <p:cTn id="17" dur="500"/>
+                                        <p:tgtEl>
+                                          <p:spTgt spid="3">
+                                            <p:txEl>
+                                              <p:pRg st="2" end="2"/>
+                                            </p:txEl>
+                                          </p:spTgt>
+                                        </p:tgtEl>
+                                      </p:cBhvr>
+                                    </p:animEffect>
+                                  </p:childTnLst>
+                                </p:cTn>
+                              </p:par>
+                            </p:childTnLst>
+                          </p:cTn>
+                        </p:par>
+                      </p:childTnLst>
+                    </p:cTn>
+                  </p:par>
+                  <p:par>
+                    <p:cTn id="18" fill="hold">
+                      <p:stCondLst>
+                        <p:cond delay="indefinite"/>
+                      </p:stCondLst>
+                      <p:childTnLst>
+                        <p:par>
+                          <p:cTn id="19" fill="hold">
+                            <p:stCondLst>
+                              <p:cond delay="0"/>
+                            </p:stCondLst>
+                            <p:childTnLst>
+                              <p:par>
+                                <p:cTn id="20" presetID="10" presetClass="entr" presetSubtype="0" fill="hold" nodeType="clickEffect">
+                                  <p:stCondLst>
+                                    <p:cond delay="0"/>
+                                  </p:stCondLst>
+                                  <p:childTnLst>
+                                    <p:set>
+                                      <p:cBhvr>
+                                        <p:cTn id="21" dur="1" fill="hold">
+                                          <p:stCondLst>
+                                            <p:cond delay="0"/>
+                                          </p:stCondLst>
+                                        </p:cTn>
+                                        <p:tgtEl>
+                                          <p:spTgt spid="3">
+                                            <p:txEl>
+                                              <p:pRg st="3" end="3"/>
+                                            </p:txEl>
+                                          </p:spTgt>
+                                        </p:tgtEl>
+                                        <p:attrNameLst>
+                                          <p:attrName>style.visibility</p:attrName>
+                                        </p:attrNameLst>
+                                      </p:cBhvr>
+                                      <p:to>
+                                        <p:strVal val="visible"/>
+                                      </p:to>
+                                    </p:set>
+                                    <p:animEffect transition="in" filter="fade">
+                                      <p:cBhvr>
+                                        <p:cTn id="22" dur="500"/>
+                                        <p:tgtEl>
+                                          <p:spTgt spid="3">
+                                            <p:txEl>
+                                              <p:pRg st="3" end="3"/>
+                                            </p:txEl>
+                                          </p:spTgt>
+                                        </p:tgtEl>
+                                      </p:cBhvr>
+                                    </p:animEffect>
+                                  </p:childTnLst>
+                                </p:cTn>
+                              </p:par>
+                            </p:childTnLst>
+                          </p:cTn>
+                        </p:par>
+                      </p:childTnLst>
+                    </p:cTn>
+                  </p:par>
+                  <p:par>
+                    <p:cTn id="23" fill="hold">
+                      <p:stCondLst>
+                        <p:cond delay="indefinite"/>
+                      </p:stCondLst>
+                      <p:childTnLst>
+                        <p:par>
+                          <p:cTn id="24" fill="hold">
+                            <p:stCondLst>
+                              <p:cond delay="0"/>
+                            </p:stCondLst>
+                            <p:childTnLst>
+                              <p:par>
+                                <p:cTn id="25" presetID="10" presetClass="entr" presetSubtype="0" fill="hold" nodeType="clickEffect">
+                                  <p:stCondLst>
+                                    <p:cond delay="0"/>
+                                  </p:stCondLst>
+                                  <p:childTnLst>
+                                    <p:set>
+                                      <p:cBhvr>
+                                        <p:cTn id="26" dur="1" fill="hold">
+                                          <p:stCondLst>
+                                            <p:cond delay="0"/>
+                                          </p:stCondLst>
+                                        </p:cTn>
+                                        <p:tgtEl>
+                                          <p:spTgt spid="3">
+                                            <p:txEl>
+                                              <p:pRg st="4" end="4"/>
+                                            </p:txEl>
+                                          </p:spTgt>
+                                        </p:tgtEl>
+                                        <p:attrNameLst>
+                                          <p:attrName>style.visibility</p:attrName>
+                                        </p:attrNameLst>
+                                      </p:cBhvr>
+                                      <p:to>
+                                        <p:strVal val="visible"/>
+                                      </p:to>
+                                    </p:set>
+                                    <p:animEffect transition="in" filter="fade">
+                                      <p:cBhvr>
+                                        <p:cTn id="27" dur="500"/>
+                                        <p:tgtEl>
+                                          <p:spTgt spid="3">
+                                            <p:txEl>
+                                              <p:pRg st="4" end="4"/>
+                                            </p:txEl>
+                                          </p:spTgt>
+                                        </p:tgtEl>
+                                      </p:cBhvr>
+                                    </p:animEffect>
+                                  </p:childTnLst>
+                                </p:cTn>
+                              </p:par>
+                            </p:childTnLst>
+                          </p:cTn>
+                        </p:par>
+                      </p:childTnLst>
+                    </p:cTn>
+                  </p:par>
+                  <p:par>
+                    <p:cTn id="28" fill="hold">
+                      <p:stCondLst>
+                        <p:cond delay="indefinite"/>
+                      </p:stCondLst>
+                      <p:childTnLst>
+                        <p:par>
+                          <p:cTn id="29" fill="hold">
+                            <p:stCondLst>
+                              <p:cond delay="0"/>
+                            </p:stCondLst>
+                            <p:childTnLst>
+                              <p:par>
+                                <p:cTn id="30" presetID="10" presetClass="entr" presetSubtype="0" fill="hold" nodeType="clickEffect">
+                                  <p:stCondLst>
+                                    <p:cond delay="0"/>
+                                  </p:stCondLst>
+                                  <p:childTnLst>
+                                    <p:set>
+                                      <p:cBhvr>
+                                        <p:cTn id="31" dur="1" fill="hold">
+                                          <p:stCondLst>
+                                            <p:cond delay="0"/>
+                                          </p:stCondLst>
+                                        </p:cTn>
+                                        <p:tgtEl>
+                                          <p:spTgt spid="3">
+                                            <p:txEl>
+                                              <p:pRg st="5" end="5"/>
+                                            </p:txEl>
+                                          </p:spTgt>
+                                        </p:tgtEl>
+                                        <p:attrNameLst>
+                                          <p:attrName>style.visibility</p:attrName>
+                                        </p:attrNameLst>
+                                      </p:cBhvr>
+                                      <p:to>
+                                        <p:strVal val="visible"/>
+                                      </p:to>
+                                    </p:set>
+                                    <p:animEffect transition="in" filter="fade">
+                                      <p:cBhvr>
+                                        <p:cTn id="32" dur="500"/>
+                                        <p:tgtEl>
+                                          <p:spTgt spid="3">
+                                            <p:txEl>
+                                              <p:pRg st="5" end="5"/>
+                                            </p:txEl>
+                                          </p:spTgt>
+                                        </p:tgtEl>
+                                      </p:cBhvr>
+                                    </p:animEffect>
+                                  </p:childTnLst>
+                                </p:cTn>
+                              </p:par>
+                              <p:par>
+                                <p:cTn id="33" presetID="10" presetClass="entr" presetSubtype="0" fill="hold" nodeType="withEffect">
+                                  <p:stCondLst>
+                                    <p:cond delay="0"/>
+                                  </p:stCondLst>
+                                  <p:childTnLst>
+                                    <p:set>
+                                      <p:cBhvr>
+                                        <p:cTn id="34" dur="1" fill="hold">
+                                          <p:stCondLst>
+                                            <p:cond delay="0"/>
+                                          </p:stCondLst>
+                                        </p:cTn>
+                                        <p:tgtEl>
+                                          <p:spTgt spid="1026"/>
+                                        </p:tgtEl>
+                                        <p:attrNameLst>
+                                          <p:attrName>style.visibility</p:attrName>
+                                        </p:attrNameLst>
+                                      </p:cBhvr>
+                                      <p:to>
+                                        <p:strVal val="visible"/>
+                                      </p:to>
+                                    </p:set>
+                                    <p:animEffect transition="in" filter="fade">
+                                      <p:cBhvr>
+                                        <p:cTn id="35" dur="500"/>
+                                        <p:tgtEl>
+                                          <p:spTgt spid="1026"/>
+                                        </p:tgtEl>
+                                      </p:cBhvr>
+                                    </p:animEffect>
+                                  </p:childTnLst>
+                                </p:cTn>
+                              </p:par>
+                            </p:childTnLst>
+                          </p:cTn>
+                        </p:par>
+                      </p:childTnLst>
+                    </p:cTn>
+                  </p:par>
+                  <p:par>
+                    <p:cTn id="36" fill="hold">
+                      <p:stCondLst>
+                        <p:cond delay="indefinite"/>
+                      </p:stCondLst>
+                      <p:childTnLst>
+                        <p:par>
+                          <p:cTn id="37" fill="hold">
+                            <p:stCondLst>
+                              <p:cond delay="0"/>
+                            </p:stCondLst>
+                            <p:childTnLst>
+                              <p:par>
+                                <p:cTn id="38" presetID="10" presetClass="entr" presetSubtype="0" fill="hold" nodeType="clickEffect">
+                                  <p:stCondLst>
+                                    <p:cond delay="0"/>
+                                  </p:stCondLst>
+                                  <p:childTnLst>
+                                    <p:set>
+                                      <p:cBhvr>
+                                        <p:cTn id="39" dur="1" fill="hold">
+                                          <p:stCondLst>
+                                            <p:cond delay="0"/>
+                                          </p:stCondLst>
+                                        </p:cTn>
+                                        <p:tgtEl>
+                                          <p:spTgt spid="3">
+                                            <p:txEl>
+                                              <p:pRg st="6" end="6"/>
+                                            </p:txEl>
+                                          </p:spTgt>
+                                        </p:tgtEl>
+                                        <p:attrNameLst>
+                                          <p:attrName>style.visibility</p:attrName>
+                                        </p:attrNameLst>
+                                      </p:cBhvr>
+                                      <p:to>
+                                        <p:strVal val="visible"/>
+                                      </p:to>
+                                    </p:set>
+                                    <p:animEffect transition="in" filter="fade">
+                                      <p:cBhvr>
+                                        <p:cTn id="40" dur="500"/>
+                                        <p:tgtEl>
+                                          <p:spTgt spid="3">
+                                            <p:txEl>
+                                              <p:pRg st="6" end="6"/>
+                                            </p:txEl>
+                                          </p:spTgt>
+                                        </p:tgtEl>
+                                      </p:cBhvr>
+                                    </p:animEffect>
+                                  </p:childTnLst>
+                                </p:cTn>
+                              </p:par>
+                              <p:par>
+                                <p:cTn id="41" presetID="10" presetClass="entr" presetSubtype="0" fill="hold" nodeType="withEffect">
+                                  <p:stCondLst>
+                                    <p:cond delay="0"/>
+                                  </p:stCondLst>
+                                  <p:childTnLst>
+                                    <p:set>
+                                      <p:cBhvr>
+                                        <p:cTn id="42" dur="1" fill="hold">
+                                          <p:stCondLst>
+                                            <p:cond delay="0"/>
+                                          </p:stCondLst>
+                                        </p:cTn>
+                                        <p:tgtEl>
+                                          <p:spTgt spid="4"/>
+                                        </p:tgtEl>
+                                        <p:attrNameLst>
+                                          <p:attrName>style.visibility</p:attrName>
+                                        </p:attrNameLst>
+                                      </p:cBhvr>
+                                      <p:to>
+                                        <p:strVal val="visible"/>
+                                      </p:to>
+                                    </p:set>
+                                    <p:animEffect transition="in" filter="fade">
+                                      <p:cBhvr>
+                                        <p:cTn id="43" dur="500"/>
+                                        <p:tgtEl>
+                                          <p:spTgt spid="4"/>
+                                        </p:tgtEl>
+                                      </p:cBhvr>
+                                    </p:animEffect>
+                                  </p:childTnLst>
+                                </p:cTn>
+                              </p:par>
+                            </p:childTnLst>
+                          </p:cTn>
+                        </p:par>
+                      </p:childTnLst>
+                    </p:cTn>
+                  </p:par>
+                </p:childTnLst>
+              </p:cTn>
+              <p:prevCondLst>
+                <p:cond evt="onPrev" delay="0">
+                  <p:tgtEl>
+                    <p:sldTgt/>
+                  </p:tgtEl>
+                </p:cond>
+              </p:prevCondLst>
+              <p:nextCondLst>
+                <p:cond evt="onNext" delay="0">
+                  <p:tgtEl>
+                    <p:sldTgt/>
+                  </p:tgtEl>
+                </p:cond>
+              </p:nextCondLst>
+            </p:seq>
+          </p:childTnLst>
+        </p:cTn>
+      </p:par>
+    </p:tnLst>
+  </p:timing>
 </p:sld>
 </file>
 
@@ -8184,14 +10415,16 @@
         </p:nvSpPr>
         <p:spPr/>
         <p:txBody>
-          <a:bodyPr/>
+          <a:bodyPr>
+            <a:normAutofit/>
+          </a:bodyPr>
           <a:lstStyle/>
           <a:p>
             <a:r>
-              <a:rPr lang="id-ID" dirty="0" smtClean="0"/>
+              <a:rPr lang="id-ID" sz="4400" dirty="0" smtClean="0"/>
               <a:t>Function of media </a:t>
             </a:r>
-            <a:endParaRPr lang="id-ID" dirty="0"/>
+            <a:endParaRPr lang="id-ID" sz="4400" dirty="0"/>
           </a:p>
         </p:txBody>
       </p:sp>
@@ -8205,47 +10438,39 @@
             <p:ph idx="1"/>
           </p:nvPr>
         </p:nvSpPr>
-        <p:spPr/>
+        <p:spPr>
+          <a:xfrm>
+            <a:off x="2002358" y="2133600"/>
+            <a:ext cx="8915400" cy="3777622"/>
+          </a:xfrm>
+        </p:spPr>
         <p:txBody>
-          <a:bodyPr/>
+          <a:bodyPr>
+            <a:normAutofit/>
+          </a:bodyPr>
           <a:lstStyle/>
           <a:p>
             <a:r>
-              <a:rPr lang="id-ID" dirty="0" smtClean="0"/>
+              <a:rPr lang="id-ID" sz="4000" dirty="0" smtClean="0"/>
               <a:t>News and Information</a:t>
             </a:r>
           </a:p>
           <a:p>
             <a:r>
-              <a:rPr lang="id-ID" dirty="0" smtClean="0"/>
+              <a:rPr lang="id-ID" sz="4000" dirty="0" smtClean="0"/>
               <a:t>Discussion of opinions </a:t>
             </a:r>
           </a:p>
           <a:p>
             <a:r>
-              <a:rPr lang="id-ID" dirty="0" smtClean="0"/>
+              <a:rPr lang="id-ID" sz="4000" dirty="0" smtClean="0"/>
               <a:t>Cultural transmision </a:t>
             </a:r>
           </a:p>
           <a:p>
             <a:r>
-              <a:rPr lang="id-ID" dirty="0" smtClean="0"/>
+              <a:rPr lang="id-ID" sz="4000" dirty="0" smtClean="0"/>
               <a:t>Entertainment </a:t>
-            </a:r>
-          </a:p>
-          <a:p>
-            <a:endParaRPr lang="id-ID" dirty="0"/>
-          </a:p>
-          <a:p>
-            <a:endParaRPr lang="id-ID" dirty="0" smtClean="0"/>
-          </a:p>
-          <a:p>
-            <a:pPr marL="0" indent="0">
-              <a:buNone/>
-            </a:pPr>
-            <a:r>
-              <a:rPr lang="id-ID" dirty="0"/>
-              <a:t>http://smallbusiness.chron.com/four-functions-mass-communications-56326.html</a:t>
             </a:r>
           </a:p>
         </p:txBody>
@@ -8260,6 +10485,1336 @@
   <p:clrMapOvr>
     <a:masterClrMapping/>
   </p:clrMapOvr>
+  <p:timing>
+    <p:tnLst>
+      <p:par>
+        <p:cTn id="1" dur="indefinite" restart="never" nodeType="tmRoot">
+          <p:childTnLst>
+            <p:seq concurrent="1" nextAc="seek">
+              <p:cTn id="2" dur="indefinite" nodeType="mainSeq">
+                <p:childTnLst>
+                  <p:par>
+                    <p:cTn id="3" fill="hold">
+                      <p:stCondLst>
+                        <p:cond delay="indefinite"/>
+                      </p:stCondLst>
+                      <p:childTnLst>
+                        <p:par>
+                          <p:cTn id="4" fill="hold">
+                            <p:stCondLst>
+                              <p:cond delay="0"/>
+                            </p:stCondLst>
+                            <p:childTnLst>
+                              <p:par>
+                                <p:cTn id="5" presetID="10" presetClass="entr" presetSubtype="0" fill="hold" grpId="0" nodeType="clickEffect">
+                                  <p:stCondLst>
+                                    <p:cond delay="0"/>
+                                  </p:stCondLst>
+                                  <p:childTnLst>
+                                    <p:set>
+                                      <p:cBhvr>
+                                        <p:cTn id="6" dur="1" fill="hold">
+                                          <p:stCondLst>
+                                            <p:cond delay="0"/>
+                                          </p:stCondLst>
+                                        </p:cTn>
+                                        <p:tgtEl>
+                                          <p:spTgt spid="2"/>
+                                        </p:tgtEl>
+                                        <p:attrNameLst>
+                                          <p:attrName>style.visibility</p:attrName>
+                                        </p:attrNameLst>
+                                      </p:cBhvr>
+                                      <p:to>
+                                        <p:strVal val="visible"/>
+                                      </p:to>
+                                    </p:set>
+                                    <p:animEffect transition="in" filter="fade">
+                                      <p:cBhvr>
+                                        <p:cTn id="7" dur="500"/>
+                                        <p:tgtEl>
+                                          <p:spTgt spid="2"/>
+                                        </p:tgtEl>
+                                      </p:cBhvr>
+                                    </p:animEffect>
+                                  </p:childTnLst>
+                                </p:cTn>
+                              </p:par>
+                              <p:par>
+                                <p:cTn id="8" presetID="10" presetClass="entr" presetSubtype="0" fill="hold" grpId="0" nodeType="withEffect">
+                                  <p:stCondLst>
+                                    <p:cond delay="0"/>
+                                  </p:stCondLst>
+                                  <p:childTnLst>
+                                    <p:set>
+                                      <p:cBhvr>
+                                        <p:cTn id="9" dur="1" fill="hold">
+                                          <p:stCondLst>
+                                            <p:cond delay="0"/>
+                                          </p:stCondLst>
+                                        </p:cTn>
+                                        <p:tgtEl>
+                                          <p:spTgt spid="3">
+                                            <p:txEl>
+                                              <p:pRg st="0" end="0"/>
+                                            </p:txEl>
+                                          </p:spTgt>
+                                        </p:tgtEl>
+                                        <p:attrNameLst>
+                                          <p:attrName>style.visibility</p:attrName>
+                                        </p:attrNameLst>
+                                      </p:cBhvr>
+                                      <p:to>
+                                        <p:strVal val="visible"/>
+                                      </p:to>
+                                    </p:set>
+                                    <p:animEffect transition="in" filter="fade">
+                                      <p:cBhvr>
+                                        <p:cTn id="10" dur="500"/>
+                                        <p:tgtEl>
+                                          <p:spTgt spid="3">
+                                            <p:txEl>
+                                              <p:pRg st="0" end="0"/>
+                                            </p:txEl>
+                                          </p:spTgt>
+                                        </p:tgtEl>
+                                      </p:cBhvr>
+                                    </p:animEffect>
+                                  </p:childTnLst>
+                                </p:cTn>
+                              </p:par>
+                              <p:par>
+                                <p:cTn id="11" presetID="10" presetClass="entr" presetSubtype="0" fill="hold" grpId="0" nodeType="withEffect">
+                                  <p:stCondLst>
+                                    <p:cond delay="0"/>
+                                  </p:stCondLst>
+                                  <p:childTnLst>
+                                    <p:set>
+                                      <p:cBhvr>
+                                        <p:cTn id="12" dur="1" fill="hold">
+                                          <p:stCondLst>
+                                            <p:cond delay="0"/>
+                                          </p:stCondLst>
+                                        </p:cTn>
+                                        <p:tgtEl>
+                                          <p:spTgt spid="3">
+                                            <p:txEl>
+                                              <p:pRg st="1" end="1"/>
+                                            </p:txEl>
+                                          </p:spTgt>
+                                        </p:tgtEl>
+                                        <p:attrNameLst>
+                                          <p:attrName>style.visibility</p:attrName>
+                                        </p:attrNameLst>
+                                      </p:cBhvr>
+                                      <p:to>
+                                        <p:strVal val="visible"/>
+                                      </p:to>
+                                    </p:set>
+                                    <p:animEffect transition="in" filter="fade">
+                                      <p:cBhvr>
+                                        <p:cTn id="13" dur="500"/>
+                                        <p:tgtEl>
+                                          <p:spTgt spid="3">
+                                            <p:txEl>
+                                              <p:pRg st="1" end="1"/>
+                                            </p:txEl>
+                                          </p:spTgt>
+                                        </p:tgtEl>
+                                      </p:cBhvr>
+                                    </p:animEffect>
+                                  </p:childTnLst>
+                                </p:cTn>
+                              </p:par>
+                              <p:par>
+                                <p:cTn id="14" presetID="10" presetClass="entr" presetSubtype="0" fill="hold" grpId="0" nodeType="withEffect">
+                                  <p:stCondLst>
+                                    <p:cond delay="0"/>
+                                  </p:stCondLst>
+                                  <p:childTnLst>
+                                    <p:set>
+                                      <p:cBhvr>
+                                        <p:cTn id="15" dur="1" fill="hold">
+                                          <p:stCondLst>
+                                            <p:cond delay="0"/>
+                                          </p:stCondLst>
+                                        </p:cTn>
+                                        <p:tgtEl>
+                                          <p:spTgt spid="3">
+                                            <p:txEl>
+                                              <p:pRg st="2" end="2"/>
+                                            </p:txEl>
+                                          </p:spTgt>
+                                        </p:tgtEl>
+                                        <p:attrNameLst>
+                                          <p:attrName>style.visibility</p:attrName>
+                                        </p:attrNameLst>
+                                      </p:cBhvr>
+                                      <p:to>
+                                        <p:strVal val="visible"/>
+                                      </p:to>
+                                    </p:set>
+                                    <p:animEffect transition="in" filter="fade">
+                                      <p:cBhvr>
+                                        <p:cTn id="16" dur="500"/>
+                                        <p:tgtEl>
+                                          <p:spTgt spid="3">
+                                            <p:txEl>
+                                              <p:pRg st="2" end="2"/>
+                                            </p:txEl>
+                                          </p:spTgt>
+                                        </p:tgtEl>
+                                      </p:cBhvr>
+                                    </p:animEffect>
+                                  </p:childTnLst>
+                                </p:cTn>
+                              </p:par>
+                              <p:par>
+                                <p:cTn id="17" presetID="10" presetClass="entr" presetSubtype="0" fill="hold" grpId="0" nodeType="withEffect">
+                                  <p:stCondLst>
+                                    <p:cond delay="0"/>
+                                  </p:stCondLst>
+                                  <p:childTnLst>
+                                    <p:set>
+                                      <p:cBhvr>
+                                        <p:cTn id="18" dur="1" fill="hold">
+                                          <p:stCondLst>
+                                            <p:cond delay="0"/>
+                                          </p:stCondLst>
+                                        </p:cTn>
+                                        <p:tgtEl>
+                                          <p:spTgt spid="3">
+                                            <p:txEl>
+                                              <p:pRg st="3" end="3"/>
+                                            </p:txEl>
+                                          </p:spTgt>
+                                        </p:tgtEl>
+                                        <p:attrNameLst>
+                                          <p:attrName>style.visibility</p:attrName>
+                                        </p:attrNameLst>
+                                      </p:cBhvr>
+                                      <p:to>
+                                        <p:strVal val="visible"/>
+                                      </p:to>
+                                    </p:set>
+                                    <p:animEffect transition="in" filter="fade">
+                                      <p:cBhvr>
+                                        <p:cTn id="19" dur="500"/>
+                                        <p:tgtEl>
+                                          <p:spTgt spid="3">
+                                            <p:txEl>
+                                              <p:pRg st="3" end="3"/>
+                                            </p:txEl>
+                                          </p:spTgt>
+                                        </p:tgtEl>
+                                      </p:cBhvr>
+                                    </p:animEffect>
+                                  </p:childTnLst>
+                                </p:cTn>
+                              </p:par>
+                            </p:childTnLst>
+                          </p:cTn>
+                        </p:par>
+                      </p:childTnLst>
+                    </p:cTn>
+                  </p:par>
+                </p:childTnLst>
+              </p:cTn>
+              <p:prevCondLst>
+                <p:cond evt="onPrev" delay="0">
+                  <p:tgtEl>
+                    <p:sldTgt/>
+                  </p:tgtEl>
+                </p:cond>
+              </p:prevCondLst>
+              <p:nextCondLst>
+                <p:cond evt="onNext" delay="0">
+                  <p:tgtEl>
+                    <p:sldTgt/>
+                  </p:tgtEl>
+                </p:cond>
+              </p:nextCondLst>
+            </p:seq>
+          </p:childTnLst>
+        </p:cTn>
+      </p:par>
+    </p:tnLst>
+    <p:bldLst>
+      <p:bldP spid="2" grpId="0"/>
+      <p:bldP spid="3" grpId="0" build="p"/>
+    </p:bldLst>
+  </p:timing>
+</p:sld>
+</file>
+
+<file path=ppt/slides/slide7.xml><?xml version="1.0" encoding="utf-8"?>
+<p:sld xmlns:a="http://schemas.openxmlformats.org/drawingml/2006/main" xmlns:r="http://schemas.openxmlformats.org/officeDocument/2006/relationships" xmlns:p="http://schemas.openxmlformats.org/presentationml/2006/main">
+  <p:cSld>
+    <p:spTree>
+      <p:nvGrpSpPr>
+        <p:cNvPr id="1" name=""/>
+        <p:cNvGrpSpPr/>
+        <p:nvPr/>
+      </p:nvGrpSpPr>
+      <p:grpSpPr>
+        <a:xfrm>
+          <a:off x="0" y="0"/>
+          <a:ext cx="0" cy="0"/>
+          <a:chOff x="0" y="0"/>
+          <a:chExt cx="0" cy="0"/>
+        </a:xfrm>
+      </p:grpSpPr>
+      <p:sp>
+        <p:nvSpPr>
+          <p:cNvPr id="2" name="Title 1"/>
+          <p:cNvSpPr>
+            <a:spLocks noGrp="1"/>
+          </p:cNvSpPr>
+          <p:nvPr>
+            <p:ph type="title"/>
+          </p:nvPr>
+        </p:nvSpPr>
+        <p:spPr/>
+        <p:txBody>
+          <a:bodyPr/>
+          <a:lstStyle/>
+          <a:p>
+            <a:r>
+              <a:rPr lang="id-ID" dirty="0" smtClean="0"/>
+              <a:t>Verification by Media</a:t>
+            </a:r>
+            <a:endParaRPr lang="id-ID" dirty="0"/>
+          </a:p>
+        </p:txBody>
+      </p:sp>
+      <p:pic>
+        <p:nvPicPr>
+          <p:cNvPr id="3074" name="Picture 2" descr="https://3.bp.blogspot.com/-Vkk9U4il1Vc/WLq_t1O3_dI/AAAAAAAADWw/IIa1bwR6uygLC_BIK2FWC2Ysxr7zASFTQCLcB/s1600/image2.png"/>
+          <p:cNvPicPr>
+            <a:picLocks noChangeAspect="1" noChangeArrowheads="1"/>
+          </p:cNvPicPr>
+          <p:nvPr/>
+        </p:nvPicPr>
+        <p:blipFill>
+          <a:blip r:embed="rId2">
+            <a:extLst>
+              <a:ext uri="{28A0092B-C50C-407E-A947-70E740481C1C}">
+                <a14:useLocalDpi xmlns:a14="http://schemas.microsoft.com/office/drawing/2010/main" val="0"/>
+              </a:ext>
+            </a:extLst>
+          </a:blip>
+          <a:srcRect/>
+          <a:stretch>
+            <a:fillRect/>
+          </a:stretch>
+        </p:blipFill>
+        <p:spPr bwMode="auto">
+          <a:xfrm>
+            <a:off x="559557" y="1019481"/>
+            <a:ext cx="5085342" cy="5572388"/>
+          </a:xfrm>
+          <a:prstGeom prst="rect">
+            <a:avLst/>
+          </a:prstGeom>
+          <a:noFill/>
+          <a:ln>
+            <a:solidFill>
+              <a:schemeClr val="accent1"/>
+            </a:solidFill>
+          </a:ln>
+          <a:extLst>
+            <a:ext uri="{909E8E84-426E-40DD-AFC4-6F175D3DCCD1}">
+              <a14:hiddenFill xmlns:a14="http://schemas.microsoft.com/office/drawing/2010/main">
+                <a:solidFill>
+                  <a:srgbClr val="FFFFFF"/>
+                </a:solidFill>
+              </a14:hiddenFill>
+            </a:ext>
+          </a:extLst>
+        </p:spPr>
+      </p:pic>
+      <p:pic>
+        <p:nvPicPr>
+          <p:cNvPr id="4" name="Picture 3" descr="Screen Clipping"/>
+          <p:cNvPicPr>
+            <a:picLocks noChangeAspect="1"/>
+          </p:cNvPicPr>
+          <p:nvPr/>
+        </p:nvPicPr>
+        <p:blipFill>
+          <a:blip r:embed="rId3">
+            <a:extLst>
+              <a:ext uri="{28A0092B-C50C-407E-A947-70E740481C1C}">
+                <a14:useLocalDpi xmlns:a14="http://schemas.microsoft.com/office/drawing/2010/main" val="0"/>
+              </a:ext>
+            </a:extLst>
+          </a:blip>
+          <a:stretch>
+            <a:fillRect/>
+          </a:stretch>
+        </p:blipFill>
+        <p:spPr>
+          <a:xfrm>
+            <a:off x="2558738" y="949930"/>
+            <a:ext cx="9217453" cy="5641939"/>
+          </a:xfrm>
+          <a:prstGeom prst="rect">
+            <a:avLst/>
+          </a:prstGeom>
+          <a:ln>
+            <a:solidFill>
+              <a:schemeClr val="accent1"/>
+            </a:solidFill>
+          </a:ln>
+        </p:spPr>
+      </p:pic>
+    </p:spTree>
+    <p:extLst>
+      <p:ext uri="{BB962C8B-B14F-4D97-AF65-F5344CB8AC3E}">
+        <p14:creationId xmlns:p14="http://schemas.microsoft.com/office/powerpoint/2010/main" val="399763222"/>
+      </p:ext>
+    </p:extLst>
+  </p:cSld>
+  <p:clrMapOvr>
+    <a:masterClrMapping/>
+  </p:clrMapOvr>
+  <p:timing>
+    <p:tnLst>
+      <p:par>
+        <p:cTn id="1" dur="indefinite" restart="never" nodeType="tmRoot">
+          <p:childTnLst>
+            <p:seq concurrent="1" nextAc="seek">
+              <p:cTn id="2" dur="indefinite" nodeType="mainSeq">
+                <p:childTnLst>
+                  <p:par>
+                    <p:cTn id="3" fill="hold">
+                      <p:stCondLst>
+                        <p:cond delay="indefinite"/>
+                      </p:stCondLst>
+                      <p:childTnLst>
+                        <p:par>
+                          <p:cTn id="4" fill="hold">
+                            <p:stCondLst>
+                              <p:cond delay="0"/>
+                            </p:stCondLst>
+                            <p:childTnLst>
+                              <p:par>
+                                <p:cTn id="5" presetID="10" presetClass="entr" presetSubtype="0" fill="hold" grpId="0" nodeType="clickEffect">
+                                  <p:stCondLst>
+                                    <p:cond delay="0"/>
+                                  </p:stCondLst>
+                                  <p:childTnLst>
+                                    <p:set>
+                                      <p:cBhvr>
+                                        <p:cTn id="6" dur="1" fill="hold">
+                                          <p:stCondLst>
+                                            <p:cond delay="0"/>
+                                          </p:stCondLst>
+                                        </p:cTn>
+                                        <p:tgtEl>
+                                          <p:spTgt spid="2"/>
+                                        </p:tgtEl>
+                                        <p:attrNameLst>
+                                          <p:attrName>style.visibility</p:attrName>
+                                        </p:attrNameLst>
+                                      </p:cBhvr>
+                                      <p:to>
+                                        <p:strVal val="visible"/>
+                                      </p:to>
+                                    </p:set>
+                                    <p:animEffect transition="in" filter="fade">
+                                      <p:cBhvr>
+                                        <p:cTn id="7" dur="500"/>
+                                        <p:tgtEl>
+                                          <p:spTgt spid="2"/>
+                                        </p:tgtEl>
+                                      </p:cBhvr>
+                                    </p:animEffect>
+                                  </p:childTnLst>
+                                </p:cTn>
+                              </p:par>
+                            </p:childTnLst>
+                          </p:cTn>
+                        </p:par>
+                      </p:childTnLst>
+                    </p:cTn>
+                  </p:par>
+                  <p:par>
+                    <p:cTn id="8" fill="hold">
+                      <p:stCondLst>
+                        <p:cond delay="indefinite"/>
+                      </p:stCondLst>
+                      <p:childTnLst>
+                        <p:par>
+                          <p:cTn id="9" fill="hold">
+                            <p:stCondLst>
+                              <p:cond delay="0"/>
+                            </p:stCondLst>
+                            <p:childTnLst>
+                              <p:par>
+                                <p:cTn id="10" presetID="10" presetClass="entr" presetSubtype="0" fill="hold" nodeType="clickEffect">
+                                  <p:stCondLst>
+                                    <p:cond delay="0"/>
+                                  </p:stCondLst>
+                                  <p:childTnLst>
+                                    <p:set>
+                                      <p:cBhvr>
+                                        <p:cTn id="11" dur="1" fill="hold">
+                                          <p:stCondLst>
+                                            <p:cond delay="0"/>
+                                          </p:stCondLst>
+                                        </p:cTn>
+                                        <p:tgtEl>
+                                          <p:spTgt spid="3074"/>
+                                        </p:tgtEl>
+                                        <p:attrNameLst>
+                                          <p:attrName>style.visibility</p:attrName>
+                                        </p:attrNameLst>
+                                      </p:cBhvr>
+                                      <p:to>
+                                        <p:strVal val="visible"/>
+                                      </p:to>
+                                    </p:set>
+                                    <p:animEffect transition="in" filter="fade">
+                                      <p:cBhvr>
+                                        <p:cTn id="12" dur="500"/>
+                                        <p:tgtEl>
+                                          <p:spTgt spid="3074"/>
+                                        </p:tgtEl>
+                                      </p:cBhvr>
+                                    </p:animEffect>
+                                  </p:childTnLst>
+                                </p:cTn>
+                              </p:par>
+                            </p:childTnLst>
+                          </p:cTn>
+                        </p:par>
+                      </p:childTnLst>
+                    </p:cTn>
+                  </p:par>
+                  <p:par>
+                    <p:cTn id="13" fill="hold">
+                      <p:stCondLst>
+                        <p:cond delay="indefinite"/>
+                      </p:stCondLst>
+                      <p:childTnLst>
+                        <p:par>
+                          <p:cTn id="14" fill="hold">
+                            <p:stCondLst>
+                              <p:cond delay="0"/>
+                            </p:stCondLst>
+                            <p:childTnLst>
+                              <p:par>
+                                <p:cTn id="15" presetID="10" presetClass="entr" presetSubtype="0" fill="hold" nodeType="clickEffect">
+                                  <p:stCondLst>
+                                    <p:cond delay="0"/>
+                                  </p:stCondLst>
+                                  <p:childTnLst>
+                                    <p:set>
+                                      <p:cBhvr>
+                                        <p:cTn id="16" dur="1" fill="hold">
+                                          <p:stCondLst>
+                                            <p:cond delay="0"/>
+                                          </p:stCondLst>
+                                        </p:cTn>
+                                        <p:tgtEl>
+                                          <p:spTgt spid="4"/>
+                                        </p:tgtEl>
+                                        <p:attrNameLst>
+                                          <p:attrName>style.visibility</p:attrName>
+                                        </p:attrNameLst>
+                                      </p:cBhvr>
+                                      <p:to>
+                                        <p:strVal val="visible"/>
+                                      </p:to>
+                                    </p:set>
+                                    <p:animEffect transition="in" filter="fade">
+                                      <p:cBhvr>
+                                        <p:cTn id="17" dur="500"/>
+                                        <p:tgtEl>
+                                          <p:spTgt spid="4"/>
+                                        </p:tgtEl>
+                                      </p:cBhvr>
+                                    </p:animEffect>
+                                  </p:childTnLst>
+                                </p:cTn>
+                              </p:par>
+                            </p:childTnLst>
+                          </p:cTn>
+                        </p:par>
+                      </p:childTnLst>
+                    </p:cTn>
+                  </p:par>
+                </p:childTnLst>
+              </p:cTn>
+              <p:prevCondLst>
+                <p:cond evt="onPrev" delay="0">
+                  <p:tgtEl>
+                    <p:sldTgt/>
+                  </p:tgtEl>
+                </p:cond>
+              </p:prevCondLst>
+              <p:nextCondLst>
+                <p:cond evt="onNext" delay="0">
+                  <p:tgtEl>
+                    <p:sldTgt/>
+                  </p:tgtEl>
+                </p:cond>
+              </p:nextCondLst>
+            </p:seq>
+          </p:childTnLst>
+        </p:cTn>
+      </p:par>
+    </p:tnLst>
+    <p:bldLst>
+      <p:bldP spid="2" grpId="0"/>
+    </p:bldLst>
+  </p:timing>
+</p:sld>
+</file>
+
+<file path=ppt/slides/slide8.xml><?xml version="1.0" encoding="utf-8"?>
+<p:sld xmlns:a="http://schemas.openxmlformats.org/drawingml/2006/main" xmlns:r="http://schemas.openxmlformats.org/officeDocument/2006/relationships" xmlns:p="http://schemas.openxmlformats.org/presentationml/2006/main">
+  <p:cSld>
+    <p:spTree>
+      <p:nvGrpSpPr>
+        <p:cNvPr id="1" name=""/>
+        <p:cNvGrpSpPr/>
+        <p:nvPr/>
+      </p:nvGrpSpPr>
+      <p:grpSpPr>
+        <a:xfrm>
+          <a:off x="0" y="0"/>
+          <a:ext cx="0" cy="0"/>
+          <a:chOff x="0" y="0"/>
+          <a:chExt cx="0" cy="0"/>
+        </a:xfrm>
+      </p:grpSpPr>
+      <p:sp>
+        <p:nvSpPr>
+          <p:cNvPr id="2" name="Title 1"/>
+          <p:cNvSpPr>
+            <a:spLocks noGrp="1"/>
+          </p:cNvSpPr>
+          <p:nvPr>
+            <p:ph type="title"/>
+          </p:nvPr>
+        </p:nvSpPr>
+        <p:spPr/>
+        <p:txBody>
+          <a:bodyPr/>
+          <a:lstStyle/>
+          <a:p>
+            <a:r>
+              <a:rPr lang="id-ID" dirty="0" smtClean="0"/>
+              <a:t>How did they spreading so fast</a:t>
+            </a:r>
+            <a:endParaRPr lang="id-ID" dirty="0"/>
+          </a:p>
+        </p:txBody>
+      </p:sp>
+      <p:pic>
+        <p:nvPicPr>
+          <p:cNvPr id="1026" name="Picture 2" descr="Clickbait|Featured Image"/>
+          <p:cNvPicPr>
+            <a:picLocks noChangeAspect="1" noChangeArrowheads="1"/>
+          </p:cNvPicPr>
+          <p:nvPr/>
+        </p:nvPicPr>
+        <p:blipFill>
+          <a:blip r:embed="rId2">
+            <a:extLst>
+              <a:ext uri="{28A0092B-C50C-407E-A947-70E740481C1C}">
+                <a14:useLocalDpi xmlns:a14="http://schemas.microsoft.com/office/drawing/2010/main" val="0"/>
+              </a:ext>
+            </a:extLst>
+          </a:blip>
+          <a:srcRect/>
+          <a:stretch>
+            <a:fillRect/>
+          </a:stretch>
+        </p:blipFill>
+        <p:spPr bwMode="auto">
+          <a:xfrm>
+            <a:off x="2499530" y="1625958"/>
+            <a:ext cx="7620000" cy="4286250"/>
+          </a:xfrm>
+          <a:prstGeom prst="rect">
+            <a:avLst/>
+          </a:prstGeom>
+          <a:noFill/>
+          <a:extLst>
+            <a:ext uri="{909E8E84-426E-40DD-AFC4-6F175D3DCCD1}">
+              <a14:hiddenFill xmlns:a14="http://schemas.microsoft.com/office/drawing/2010/main">
+                <a:solidFill>
+                  <a:srgbClr val="FFFFFF"/>
+                </a:solidFill>
+              </a14:hiddenFill>
+            </a:ext>
+          </a:extLst>
+        </p:spPr>
+      </p:pic>
+      <p:pic>
+        <p:nvPicPr>
+          <p:cNvPr id="2050" name="Picture 2" descr="https://cdn.meme.am/cache/instances/folder650/65349650.jpg"/>
+          <p:cNvPicPr>
+            <a:picLocks noChangeAspect="1" noChangeArrowheads="1"/>
+          </p:cNvPicPr>
+          <p:nvPr/>
+        </p:nvPicPr>
+        <p:blipFill>
+          <a:blip r:embed="rId3">
+            <a:extLst>
+              <a:ext uri="{28A0092B-C50C-407E-A947-70E740481C1C}">
+                <a14:useLocalDpi xmlns:a14="http://schemas.microsoft.com/office/drawing/2010/main" val="0"/>
+              </a:ext>
+            </a:extLst>
+          </a:blip>
+          <a:srcRect/>
+          <a:stretch>
+            <a:fillRect/>
+          </a:stretch>
+        </p:blipFill>
+        <p:spPr bwMode="auto">
+          <a:xfrm>
+            <a:off x="8214530" y="1269242"/>
+            <a:ext cx="3810000" cy="3810000"/>
+          </a:xfrm>
+          <a:prstGeom prst="rect">
+            <a:avLst/>
+          </a:prstGeom>
+          <a:noFill/>
+          <a:extLst>
+            <a:ext uri="{909E8E84-426E-40DD-AFC4-6F175D3DCCD1}">
+              <a14:hiddenFill xmlns:a14="http://schemas.microsoft.com/office/drawing/2010/main">
+                <a:solidFill>
+                  <a:srgbClr val="FFFFFF"/>
+                </a:solidFill>
+              </a14:hiddenFill>
+            </a:ext>
+          </a:extLst>
+        </p:spPr>
+      </p:pic>
+    </p:spTree>
+    <p:extLst>
+      <p:ext uri="{BB962C8B-B14F-4D97-AF65-F5344CB8AC3E}">
+        <p14:creationId xmlns:p14="http://schemas.microsoft.com/office/powerpoint/2010/main" val="569955592"/>
+      </p:ext>
+    </p:extLst>
+  </p:cSld>
+  <p:clrMapOvr>
+    <a:masterClrMapping/>
+  </p:clrMapOvr>
+  <p:timing>
+    <p:tnLst>
+      <p:par>
+        <p:cTn id="1" dur="indefinite" restart="never" nodeType="tmRoot">
+          <p:childTnLst>
+            <p:seq concurrent="1" nextAc="seek">
+              <p:cTn id="2" dur="indefinite" nodeType="mainSeq">
+                <p:childTnLst>
+                  <p:par>
+                    <p:cTn id="3" fill="hold">
+                      <p:stCondLst>
+                        <p:cond delay="indefinite"/>
+                      </p:stCondLst>
+                      <p:childTnLst>
+                        <p:par>
+                          <p:cTn id="4" fill="hold">
+                            <p:stCondLst>
+                              <p:cond delay="0"/>
+                            </p:stCondLst>
+                            <p:childTnLst>
+                              <p:par>
+                                <p:cTn id="5" presetID="10" presetClass="entr" presetSubtype="0" fill="hold" grpId="0" nodeType="clickEffect">
+                                  <p:stCondLst>
+                                    <p:cond delay="0"/>
+                                  </p:stCondLst>
+                                  <p:childTnLst>
+                                    <p:set>
+                                      <p:cBhvr>
+                                        <p:cTn id="6" dur="1" fill="hold">
+                                          <p:stCondLst>
+                                            <p:cond delay="0"/>
+                                          </p:stCondLst>
+                                        </p:cTn>
+                                        <p:tgtEl>
+                                          <p:spTgt spid="2"/>
+                                        </p:tgtEl>
+                                        <p:attrNameLst>
+                                          <p:attrName>style.visibility</p:attrName>
+                                        </p:attrNameLst>
+                                      </p:cBhvr>
+                                      <p:to>
+                                        <p:strVal val="visible"/>
+                                      </p:to>
+                                    </p:set>
+                                    <p:animEffect transition="in" filter="fade">
+                                      <p:cBhvr>
+                                        <p:cTn id="7" dur="500"/>
+                                        <p:tgtEl>
+                                          <p:spTgt spid="2"/>
+                                        </p:tgtEl>
+                                      </p:cBhvr>
+                                    </p:animEffect>
+                                  </p:childTnLst>
+                                </p:cTn>
+                              </p:par>
+                              <p:par>
+                                <p:cTn id="8" presetID="10" presetClass="entr" presetSubtype="0" fill="hold" nodeType="withEffect">
+                                  <p:stCondLst>
+                                    <p:cond delay="0"/>
+                                  </p:stCondLst>
+                                  <p:childTnLst>
+                                    <p:set>
+                                      <p:cBhvr>
+                                        <p:cTn id="9" dur="1" fill="hold">
+                                          <p:stCondLst>
+                                            <p:cond delay="0"/>
+                                          </p:stCondLst>
+                                        </p:cTn>
+                                        <p:tgtEl>
+                                          <p:spTgt spid="1026"/>
+                                        </p:tgtEl>
+                                        <p:attrNameLst>
+                                          <p:attrName>style.visibility</p:attrName>
+                                        </p:attrNameLst>
+                                      </p:cBhvr>
+                                      <p:to>
+                                        <p:strVal val="visible"/>
+                                      </p:to>
+                                    </p:set>
+                                    <p:animEffect transition="in" filter="fade">
+                                      <p:cBhvr>
+                                        <p:cTn id="10" dur="500"/>
+                                        <p:tgtEl>
+                                          <p:spTgt spid="1026"/>
+                                        </p:tgtEl>
+                                      </p:cBhvr>
+                                    </p:animEffect>
+                                  </p:childTnLst>
+                                </p:cTn>
+                              </p:par>
+                            </p:childTnLst>
+                          </p:cTn>
+                        </p:par>
+                      </p:childTnLst>
+                    </p:cTn>
+                  </p:par>
+                  <p:par>
+                    <p:cTn id="11" fill="hold">
+                      <p:stCondLst>
+                        <p:cond delay="indefinite"/>
+                      </p:stCondLst>
+                      <p:childTnLst>
+                        <p:par>
+                          <p:cTn id="12" fill="hold">
+                            <p:stCondLst>
+                              <p:cond delay="0"/>
+                            </p:stCondLst>
+                            <p:childTnLst>
+                              <p:par>
+                                <p:cTn id="13" presetID="10" presetClass="entr" presetSubtype="0" fill="hold" nodeType="clickEffect">
+                                  <p:stCondLst>
+                                    <p:cond delay="0"/>
+                                  </p:stCondLst>
+                                  <p:childTnLst>
+                                    <p:set>
+                                      <p:cBhvr>
+                                        <p:cTn id="14" dur="1" fill="hold">
+                                          <p:stCondLst>
+                                            <p:cond delay="0"/>
+                                          </p:stCondLst>
+                                        </p:cTn>
+                                        <p:tgtEl>
+                                          <p:spTgt spid="2050"/>
+                                        </p:tgtEl>
+                                        <p:attrNameLst>
+                                          <p:attrName>style.visibility</p:attrName>
+                                        </p:attrNameLst>
+                                      </p:cBhvr>
+                                      <p:to>
+                                        <p:strVal val="visible"/>
+                                      </p:to>
+                                    </p:set>
+                                    <p:animEffect transition="in" filter="fade">
+                                      <p:cBhvr>
+                                        <p:cTn id="15" dur="500"/>
+                                        <p:tgtEl>
+                                          <p:spTgt spid="2050"/>
+                                        </p:tgtEl>
+                                      </p:cBhvr>
+                                    </p:animEffect>
+                                  </p:childTnLst>
+                                </p:cTn>
+                              </p:par>
+                            </p:childTnLst>
+                          </p:cTn>
+                        </p:par>
+                      </p:childTnLst>
+                    </p:cTn>
+                  </p:par>
+                </p:childTnLst>
+              </p:cTn>
+              <p:prevCondLst>
+                <p:cond evt="onPrev" delay="0">
+                  <p:tgtEl>
+                    <p:sldTgt/>
+                  </p:tgtEl>
+                </p:cond>
+              </p:prevCondLst>
+              <p:nextCondLst>
+                <p:cond evt="onNext" delay="0">
+                  <p:tgtEl>
+                    <p:sldTgt/>
+                  </p:tgtEl>
+                </p:cond>
+              </p:nextCondLst>
+            </p:seq>
+          </p:childTnLst>
+        </p:cTn>
+      </p:par>
+    </p:tnLst>
+    <p:bldLst>
+      <p:bldP spid="2" grpId="0"/>
+    </p:bldLst>
+  </p:timing>
+</p:sld>
+</file>
+
+<file path=ppt/slides/slide9.xml><?xml version="1.0" encoding="utf-8"?>
+<p:sld xmlns:a="http://schemas.openxmlformats.org/drawingml/2006/main" xmlns:r="http://schemas.openxmlformats.org/officeDocument/2006/relationships" xmlns:p="http://schemas.openxmlformats.org/presentationml/2006/main">
+  <p:cSld>
+    <p:spTree>
+      <p:nvGrpSpPr>
+        <p:cNvPr id="1" name=""/>
+        <p:cNvGrpSpPr/>
+        <p:nvPr/>
+      </p:nvGrpSpPr>
+      <p:grpSpPr>
+        <a:xfrm>
+          <a:off x="0" y="0"/>
+          <a:ext cx="0" cy="0"/>
+          <a:chOff x="0" y="0"/>
+          <a:chExt cx="0" cy="0"/>
+        </a:xfrm>
+      </p:grpSpPr>
+      <p:sp>
+        <p:nvSpPr>
+          <p:cNvPr id="2" name="Title 1"/>
+          <p:cNvSpPr>
+            <a:spLocks noGrp="1"/>
+          </p:cNvSpPr>
+          <p:nvPr>
+            <p:ph type="title"/>
+          </p:nvPr>
+        </p:nvSpPr>
+        <p:spPr/>
+        <p:txBody>
+          <a:bodyPr/>
+          <a:lstStyle/>
+          <a:p>
+            <a:r>
+              <a:rPr lang="id-ID" dirty="0"/>
+              <a:t>How did they spreading so fast</a:t>
+            </a:r>
+          </a:p>
+        </p:txBody>
+      </p:sp>
+      <p:sp>
+        <p:nvSpPr>
+          <p:cNvPr id="3" name="Content Placeholder 2"/>
+          <p:cNvSpPr>
+            <a:spLocks noGrp="1"/>
+          </p:cNvSpPr>
+          <p:nvPr>
+            <p:ph idx="1"/>
+          </p:nvPr>
+        </p:nvSpPr>
+        <p:spPr/>
+        <p:txBody>
+          <a:bodyPr/>
+          <a:lstStyle/>
+          <a:p>
+            <a:r>
+              <a:rPr lang="id-ID" dirty="0" smtClean="0"/>
+              <a:t>Clickbait on the internet by media, </a:t>
+            </a:r>
+            <a:endParaRPr lang="id-ID" dirty="0"/>
+          </a:p>
+        </p:txBody>
+      </p:sp>
+      <p:pic>
+        <p:nvPicPr>
+          <p:cNvPr id="4" name="Picture 3" descr="Screen Clipping"/>
+          <p:cNvPicPr>
+            <a:picLocks noChangeAspect="1"/>
+          </p:cNvPicPr>
+          <p:nvPr/>
+        </p:nvPicPr>
+        <p:blipFill>
+          <a:blip r:embed="rId2">
+            <a:extLst>
+              <a:ext uri="{28A0092B-C50C-407E-A947-70E740481C1C}">
+                <a14:useLocalDpi xmlns:a14="http://schemas.microsoft.com/office/drawing/2010/main" val="0"/>
+              </a:ext>
+            </a:extLst>
+          </a:blip>
+          <a:stretch>
+            <a:fillRect/>
+          </a:stretch>
+        </p:blipFill>
+        <p:spPr>
+          <a:xfrm>
+            <a:off x="1553019" y="1321060"/>
+            <a:ext cx="3238952" cy="5220429"/>
+          </a:xfrm>
+          <a:prstGeom prst="rect">
+            <a:avLst/>
+          </a:prstGeom>
+          <a:ln>
+            <a:solidFill>
+              <a:schemeClr val="accent1"/>
+            </a:solidFill>
+          </a:ln>
+        </p:spPr>
+      </p:pic>
+      <p:pic>
+        <p:nvPicPr>
+          <p:cNvPr id="5" name="Picture 4" descr="Screen Clipping"/>
+          <p:cNvPicPr>
+            <a:picLocks noChangeAspect="1"/>
+          </p:cNvPicPr>
+          <p:nvPr/>
+        </p:nvPicPr>
+        <p:blipFill>
+          <a:blip r:embed="rId3">
+            <a:extLst>
+              <a:ext uri="{28A0092B-C50C-407E-A947-70E740481C1C}">
+                <a14:useLocalDpi xmlns:a14="http://schemas.microsoft.com/office/drawing/2010/main" val="0"/>
+              </a:ext>
+            </a:extLst>
+          </a:blip>
+          <a:stretch>
+            <a:fillRect/>
+          </a:stretch>
+        </p:blipFill>
+        <p:spPr>
+          <a:xfrm>
+            <a:off x="4942984" y="712713"/>
+            <a:ext cx="3846101" cy="4387320"/>
+          </a:xfrm>
+          <a:prstGeom prst="rect">
+            <a:avLst/>
+          </a:prstGeom>
+          <a:ln>
+            <a:solidFill>
+              <a:schemeClr val="accent1"/>
+            </a:solidFill>
+          </a:ln>
+        </p:spPr>
+      </p:pic>
+      <p:pic>
+        <p:nvPicPr>
+          <p:cNvPr id="2050" name="Picture 2" descr="Hasil gambar untuk rip rowan atkinson"/>
+          <p:cNvPicPr>
+            <a:picLocks noChangeAspect="1" noChangeArrowheads="1"/>
+          </p:cNvPicPr>
+          <p:nvPr/>
+        </p:nvPicPr>
+        <p:blipFill>
+          <a:blip r:embed="rId4">
+            <a:extLst>
+              <a:ext uri="{28A0092B-C50C-407E-A947-70E740481C1C}">
+                <a14:useLocalDpi xmlns:a14="http://schemas.microsoft.com/office/drawing/2010/main" val="0"/>
+              </a:ext>
+            </a:extLst>
+          </a:blip>
+          <a:srcRect/>
+          <a:stretch>
+            <a:fillRect/>
+          </a:stretch>
+        </p:blipFill>
+        <p:spPr bwMode="auto">
+          <a:xfrm>
+            <a:off x="6384022" y="3931274"/>
+            <a:ext cx="4810125" cy="2571751"/>
+          </a:xfrm>
+          <a:prstGeom prst="rect">
+            <a:avLst/>
+          </a:prstGeom>
+          <a:noFill/>
+          <a:ln>
+            <a:solidFill>
+              <a:schemeClr val="accent1"/>
+            </a:solidFill>
+          </a:ln>
+          <a:extLst>
+            <a:ext uri="{909E8E84-426E-40DD-AFC4-6F175D3DCCD1}">
+              <a14:hiddenFill xmlns:a14="http://schemas.microsoft.com/office/drawing/2010/main">
+                <a:solidFill>
+                  <a:srgbClr val="FFFFFF"/>
+                </a:solidFill>
+              </a14:hiddenFill>
+            </a:ext>
+          </a:extLst>
+        </p:spPr>
+      </p:pic>
+    </p:spTree>
+    <p:extLst>
+      <p:ext uri="{BB962C8B-B14F-4D97-AF65-F5344CB8AC3E}">
+        <p14:creationId xmlns:p14="http://schemas.microsoft.com/office/powerpoint/2010/main" val="2419115332"/>
+      </p:ext>
+    </p:extLst>
+  </p:cSld>
+  <p:clrMapOvr>
+    <a:masterClrMapping/>
+  </p:clrMapOvr>
+  <p:timing>
+    <p:tnLst>
+      <p:par>
+        <p:cTn id="1" dur="indefinite" restart="never" nodeType="tmRoot">
+          <p:childTnLst>
+            <p:seq concurrent="1" nextAc="seek">
+              <p:cTn id="2" dur="indefinite" nodeType="mainSeq">
+                <p:childTnLst>
+                  <p:par>
+                    <p:cTn id="3" fill="hold">
+                      <p:stCondLst>
+                        <p:cond delay="indefinite"/>
+                      </p:stCondLst>
+                      <p:childTnLst>
+                        <p:par>
+                          <p:cTn id="4" fill="hold">
+                            <p:stCondLst>
+                              <p:cond delay="0"/>
+                            </p:stCondLst>
+                            <p:childTnLst>
+                              <p:par>
+                                <p:cTn id="5" presetID="10" presetClass="entr" presetSubtype="0" fill="hold" grpId="0" nodeType="clickEffect">
+                                  <p:stCondLst>
+                                    <p:cond delay="0"/>
+                                  </p:stCondLst>
+                                  <p:childTnLst>
+                                    <p:set>
+                                      <p:cBhvr>
+                                        <p:cTn id="6" dur="1" fill="hold">
+                                          <p:stCondLst>
+                                            <p:cond delay="0"/>
+                                          </p:stCondLst>
+                                        </p:cTn>
+                                        <p:tgtEl>
+                                          <p:spTgt spid="2"/>
+                                        </p:tgtEl>
+                                        <p:attrNameLst>
+                                          <p:attrName>style.visibility</p:attrName>
+                                        </p:attrNameLst>
+                                      </p:cBhvr>
+                                      <p:to>
+                                        <p:strVal val="visible"/>
+                                      </p:to>
+                                    </p:set>
+                                    <p:animEffect transition="in" filter="fade">
+                                      <p:cBhvr>
+                                        <p:cTn id="7" dur="500"/>
+                                        <p:tgtEl>
+                                          <p:spTgt spid="2"/>
+                                        </p:tgtEl>
+                                      </p:cBhvr>
+                                    </p:animEffect>
+                                  </p:childTnLst>
+                                </p:cTn>
+                              </p:par>
+                            </p:childTnLst>
+                          </p:cTn>
+                        </p:par>
+                      </p:childTnLst>
+                    </p:cTn>
+                  </p:par>
+                  <p:par>
+                    <p:cTn id="8" fill="hold">
+                      <p:stCondLst>
+                        <p:cond delay="indefinite"/>
+                      </p:stCondLst>
+                      <p:childTnLst>
+                        <p:par>
+                          <p:cTn id="9" fill="hold">
+                            <p:stCondLst>
+                              <p:cond delay="0"/>
+                            </p:stCondLst>
+                            <p:childTnLst>
+                              <p:par>
+                                <p:cTn id="10" presetID="10" presetClass="entr" presetSubtype="0" fill="hold" nodeType="clickEffect">
+                                  <p:stCondLst>
+                                    <p:cond delay="0"/>
+                                  </p:stCondLst>
+                                  <p:childTnLst>
+                                    <p:set>
+                                      <p:cBhvr>
+                                        <p:cTn id="11" dur="1" fill="hold">
+                                          <p:stCondLst>
+                                            <p:cond delay="0"/>
+                                          </p:stCondLst>
+                                        </p:cTn>
+                                        <p:tgtEl>
+                                          <p:spTgt spid="4"/>
+                                        </p:tgtEl>
+                                        <p:attrNameLst>
+                                          <p:attrName>style.visibility</p:attrName>
+                                        </p:attrNameLst>
+                                      </p:cBhvr>
+                                      <p:to>
+                                        <p:strVal val="visible"/>
+                                      </p:to>
+                                    </p:set>
+                                    <p:animEffect transition="in" filter="fade">
+                                      <p:cBhvr>
+                                        <p:cTn id="12" dur="500"/>
+                                        <p:tgtEl>
+                                          <p:spTgt spid="4"/>
+                                        </p:tgtEl>
+                                      </p:cBhvr>
+                                    </p:animEffect>
+                                  </p:childTnLst>
+                                </p:cTn>
+                              </p:par>
+                            </p:childTnLst>
+                          </p:cTn>
+                        </p:par>
+                      </p:childTnLst>
+                    </p:cTn>
+                  </p:par>
+                  <p:par>
+                    <p:cTn id="13" fill="hold">
+                      <p:stCondLst>
+                        <p:cond delay="indefinite"/>
+                      </p:stCondLst>
+                      <p:childTnLst>
+                        <p:par>
+                          <p:cTn id="14" fill="hold">
+                            <p:stCondLst>
+                              <p:cond delay="0"/>
+                            </p:stCondLst>
+                            <p:childTnLst>
+                              <p:par>
+                                <p:cTn id="15" presetID="10" presetClass="entr" presetSubtype="0" fill="hold" nodeType="clickEffect">
+                                  <p:stCondLst>
+                                    <p:cond delay="0"/>
+                                  </p:stCondLst>
+                                  <p:childTnLst>
+                                    <p:set>
+                                      <p:cBhvr>
+                                        <p:cTn id="16" dur="1" fill="hold">
+                                          <p:stCondLst>
+                                            <p:cond delay="0"/>
+                                          </p:stCondLst>
+                                        </p:cTn>
+                                        <p:tgtEl>
+                                          <p:spTgt spid="5"/>
+                                        </p:tgtEl>
+                                        <p:attrNameLst>
+                                          <p:attrName>style.visibility</p:attrName>
+                                        </p:attrNameLst>
+                                      </p:cBhvr>
+                                      <p:to>
+                                        <p:strVal val="visible"/>
+                                      </p:to>
+                                    </p:set>
+                                    <p:animEffect transition="in" filter="fade">
+                                      <p:cBhvr>
+                                        <p:cTn id="17" dur="500"/>
+                                        <p:tgtEl>
+                                          <p:spTgt spid="5"/>
+                                        </p:tgtEl>
+                                      </p:cBhvr>
+                                    </p:animEffect>
+                                  </p:childTnLst>
+                                </p:cTn>
+                              </p:par>
+                            </p:childTnLst>
+                          </p:cTn>
+                        </p:par>
+                      </p:childTnLst>
+                    </p:cTn>
+                  </p:par>
+                  <p:par>
+                    <p:cTn id="18" fill="hold">
+                      <p:stCondLst>
+                        <p:cond delay="indefinite"/>
+                      </p:stCondLst>
+                      <p:childTnLst>
+                        <p:par>
+                          <p:cTn id="19" fill="hold">
+                            <p:stCondLst>
+                              <p:cond delay="0"/>
+                            </p:stCondLst>
+                            <p:childTnLst>
+                              <p:par>
+                                <p:cTn id="20" presetID="10" presetClass="entr" presetSubtype="0" fill="hold" nodeType="clickEffect">
+                                  <p:stCondLst>
+                                    <p:cond delay="0"/>
+                                  </p:stCondLst>
+                                  <p:childTnLst>
+                                    <p:set>
+                                      <p:cBhvr>
+                                        <p:cTn id="21" dur="1" fill="hold">
+                                          <p:stCondLst>
+                                            <p:cond delay="0"/>
+                                          </p:stCondLst>
+                                        </p:cTn>
+                                        <p:tgtEl>
+                                          <p:spTgt spid="2050"/>
+                                        </p:tgtEl>
+                                        <p:attrNameLst>
+                                          <p:attrName>style.visibility</p:attrName>
+                                        </p:attrNameLst>
+                                      </p:cBhvr>
+                                      <p:to>
+                                        <p:strVal val="visible"/>
+                                      </p:to>
+                                    </p:set>
+                                    <p:animEffect transition="in" filter="fade">
+                                      <p:cBhvr>
+                                        <p:cTn id="22" dur="500"/>
+                                        <p:tgtEl>
+                                          <p:spTgt spid="2050"/>
+                                        </p:tgtEl>
+                                      </p:cBhvr>
+                                    </p:animEffect>
+                                  </p:childTnLst>
+                                </p:cTn>
+                              </p:par>
+                            </p:childTnLst>
+                          </p:cTn>
+                        </p:par>
+                      </p:childTnLst>
+                    </p:cTn>
+                  </p:par>
+                </p:childTnLst>
+              </p:cTn>
+              <p:prevCondLst>
+                <p:cond evt="onPrev" delay="0">
+                  <p:tgtEl>
+                    <p:sldTgt/>
+                  </p:tgtEl>
+                </p:cond>
+              </p:prevCondLst>
+              <p:nextCondLst>
+                <p:cond evt="onNext" delay="0">
+                  <p:tgtEl>
+                    <p:sldTgt/>
+                  </p:tgtEl>
+                </p:cond>
+              </p:nextCondLst>
+            </p:seq>
+          </p:childTnLst>
+        </p:cTn>
+      </p:par>
+    </p:tnLst>
+    <p:bldLst>
+      <p:bldP spid="2" grpId="0"/>
+    </p:bldLst>
+  </p:timing>
 </p:sld>
 </file>
 
@@ -8306,7 +11861,7 @@
     </a:clrScheme>
     <a:fontScheme name="Wisp">
       <a:majorFont>
-        <a:latin typeface="Century Gothic" panose="020B0502020202020204"/>
+        <a:latin typeface="Century Gothic"/>
         <a:ea typeface=""/>
         <a:cs typeface=""/>
         <a:font script="Jpan" typeface="メイリオ"/>
@@ -8341,7 +11896,7 @@
         <a:font script="Geor" typeface="Sylfaen"/>
       </a:majorFont>
       <a:minorFont>
-        <a:latin typeface="Century Gothic" panose="020B0502020202020204"/>
+        <a:latin typeface="Century Gothic"/>
         <a:ea typeface=""/>
         <a:cs typeface=""/>
         <a:font script="Jpan" typeface="メイリオ"/>
@@ -8500,7 +12055,7 @@
   <a:extraClrSchemeLst/>
   <a:extLst>
     <a:ext uri="{05A4C25C-085E-4340-85A3-A5531E510DB2}">
-      <thm15:themeFamily xmlns:thm15="http://schemas.microsoft.com/office/thememl/2012/main" name="Wisp" id="{7CB32D59-10C0-40DD-B7BD-2E94284A981C}" vid="{24B1A44C-C006-48B2-A4D7-E5549B3D8CD4}"/>
+      <thm15:themeFamily xmlns="" xmlns:thm15="http://schemas.microsoft.com/office/thememl/2012/main" name="Wisp" id="{7CB32D59-10C0-40DD-B7BD-2E94284A981C}" vid="{24B1A44C-C006-48B2-A4D7-E5549B3D8CD4}"/>
     </a:ext>
   </a:extLst>
 </a:theme>
